--- a/Hunt the Trojans.pptx
+++ b/Hunt the Trojans.pptx
@@ -21,6 +21,13 @@
     <p:sldId id="266" r:id="rId18"/>
     <p:sldId id="267" r:id="rId19"/>
     <p:sldId id="268" r:id="rId20"/>
+    <p:sldId id="269" r:id="rId21"/>
+    <p:sldId id="270" r:id="rId22"/>
+    <p:sldId id="271" r:id="rId23"/>
+    <p:sldId id="272" r:id="rId24"/>
+    <p:sldId id="273" r:id="rId25"/>
+    <p:sldId id="274" r:id="rId26"/>
+    <p:sldId id="275" r:id="rId27"/>
   </p:sldIdLst>
   <p:sldSz cx="13004800" cy="9753600"/>
   <p:notesSz cx="6858000" cy="9144000"/>
@@ -3147,11 +3154,7 @@
         </p:spPr>
         <p:txBody>
           <a:bodyPr/>
-          <a:lstStyle>
-            <a:lvl1pPr defTabSz="572516">
-              <a:defRPr sz="7840"/>
-            </a:lvl1pPr>
-          </a:lstStyle>
+          <a:lstStyle/>
           <a:p>
             <a:pPr lvl="0">
               <a:defRPr sz="1800">
@@ -3161,12 +3164,12 @@
               </a:defRPr>
             </a:pPr>
             <a:r>
-              <a:rPr sz="7840">
-                <a:solidFill>
-                  <a:srgbClr val="FFFFFF"/>
-                </a:solidFill>
-              </a:rPr>
-              <a:t>Jonathan’s Contributions</a:t>
+              <a:rPr sz="8000">
+                <a:solidFill>
+                  <a:srgbClr val="FFFFFF"/>
+                </a:solidFill>
+              </a:rPr>
+              <a:t>AsyncTask(cont.)</a:t>
             </a:r>
           </a:p>
         </p:txBody>
@@ -3175,59 +3178,198 @@
         <p:nvSpPr>
           <p:cNvPr id="91" name="Shape 91"/>
           <p:cNvSpPr/>
-          <p:nvPr>
-            <p:ph type="body" idx="1"/>
-          </p:nvPr>
+          <p:nvPr/>
         </p:nvSpPr>
         <p:spPr>
+          <a:xfrm>
+            <a:off x="143731" y="2184451"/>
+            <a:ext cx="7577177" cy="647701"/>
+          </a:xfrm>
+          <a:prstGeom prst="rect">
+            <a:avLst/>
+          </a:prstGeom>
+          <a:ln w="12700">
+            <a:miter lim="400000"/>
+          </a:ln>
+          <a:extLst>
+            <a:ext uri="{C572A759-6A51-4108-AA02-DFA0A04FC94B}">
+              <ma14:wrappingTextBoxFlag xmlns:ma14="http://schemas.microsoft.com/office/mac/drawingml/2011/main" val="1"/>
+            </a:ext>
+          </a:extLst>
+        </p:spPr>
+        <p:txBody>
+          <a:bodyPr wrap="none" lIns="50800" tIns="50800" rIns="50800" bIns="50800" anchor="ctr">
+            <a:spAutoFit/>
+          </a:bodyPr>
+          <a:lstStyle/>
+          <a:p>
+            <a:pPr lvl="0">
+              <a:defRPr sz="1800">
+                <a:solidFill>
+                  <a:srgbClr val="000000"/>
+                </a:solidFill>
+              </a:defRPr>
+            </a:pPr>
+            <a:r>
+              <a:rPr sz="3600">
+                <a:solidFill>
+                  <a:srgbClr val="FFFFFF"/>
+                </a:solidFill>
+              </a:rPr>
+              <a:t>Bluetooth running in the background</a:t>
+            </a:r>
+          </a:p>
+        </p:txBody>
+      </p:sp>
+      <p:pic>
+        <p:nvPicPr>
+          <p:cNvPr id="92" name="pasted-image.tif"/>
+          <p:cNvPicPr/>
+          <p:nvPr/>
+        </p:nvPicPr>
+        <p:blipFill>
+          <a:blip r:embed="rId2">
+            <a:extLst/>
+          </a:blip>
+          <a:stretch>
+            <a:fillRect/>
+          </a:stretch>
+        </p:blipFill>
+        <p:spPr>
+          <a:xfrm>
+            <a:off x="955047" y="3370093"/>
+            <a:ext cx="5448301" cy="4025901"/>
+          </a:xfrm>
+          <a:prstGeom prst="rect">
+            <a:avLst/>
+          </a:prstGeom>
+          <a:ln w="12700">
+            <a:miter lim="400000"/>
+          </a:ln>
+        </p:spPr>
+      </p:pic>
+      <p:sp>
+        <p:nvSpPr>
+          <p:cNvPr id="93" name="Shape 93"/>
+          <p:cNvSpPr/>
+          <p:nvPr/>
+        </p:nvSpPr>
+        <p:spPr>
+          <a:xfrm>
+            <a:off x="9367436" y="2184451"/>
+            <a:ext cx="2545233" cy="647701"/>
+          </a:xfrm>
+          <a:prstGeom prst="rect">
+            <a:avLst/>
+          </a:prstGeom>
+          <a:ln w="12700">
+            <a:miter lim="400000"/>
+          </a:ln>
+          <a:extLst>
+            <a:ext uri="{C572A759-6A51-4108-AA02-DFA0A04FC94B}">
+              <ma14:wrappingTextBoxFlag xmlns:ma14="http://schemas.microsoft.com/office/mac/drawingml/2011/main" val="1"/>
+            </a:ext>
+          </a:extLst>
+        </p:spPr>
+        <p:txBody>
+          <a:bodyPr wrap="none" lIns="50800" tIns="50800" rIns="50800" bIns="50800" anchor="ctr">
+            <a:spAutoFit/>
+          </a:bodyPr>
+          <a:lstStyle/>
+          <a:p>
+            <a:pPr lvl="0">
+              <a:defRPr sz="1800">
+                <a:solidFill>
+                  <a:srgbClr val="000000"/>
+                </a:solidFill>
+              </a:defRPr>
+            </a:pPr>
+            <a:r>
+              <a:rPr sz="3600">
+                <a:solidFill>
+                  <a:srgbClr val="FFFFFF"/>
+                </a:solidFill>
+              </a:rPr>
+              <a:t>Main thread</a:t>
+            </a:r>
+          </a:p>
+        </p:txBody>
+      </p:sp>
+      <p:pic>
+        <p:nvPicPr>
+          <p:cNvPr id="94" name="pasted-image.tif"/>
+          <p:cNvPicPr/>
+          <p:nvPr/>
+        </p:nvPicPr>
+        <p:blipFill>
+          <a:blip r:embed="rId3">
+            <a:extLst/>
+          </a:blip>
+          <a:stretch>
+            <a:fillRect/>
+          </a:stretch>
+        </p:blipFill>
+        <p:spPr>
+          <a:xfrm>
+            <a:off x="9230352" y="3433593"/>
+            <a:ext cx="2819401" cy="3898901"/>
+          </a:xfrm>
+          <a:prstGeom prst="rect">
+            <a:avLst/>
+          </a:prstGeom>
+          <a:ln w="12700">
+            <a:miter lim="400000"/>
+          </a:ln>
+        </p:spPr>
+      </p:pic>
+      <p:pic>
+        <p:nvPicPr>
+          <p:cNvPr id="95" name=""/>
+          <p:cNvPicPr/>
+          <p:nvPr/>
+        </p:nvPicPr>
+        <p:blipFill>
+          <a:blip r:embed="rId4">
+            <a:extLst/>
+          </a:blip>
+          <a:stretch>
+            <a:fillRect/>
+          </a:stretch>
+        </p:blipFill>
+        <p:spPr>
+          <a:xfrm rot="628816">
+            <a:off x="6317435" y="3865837"/>
+            <a:ext cx="3329040" cy="76201"/>
+          </a:xfrm>
           <a:prstGeom prst="rect">
             <a:avLst/>
           </a:prstGeom>
         </p:spPr>
-        <p:txBody>
-          <a:bodyPr/>
-          <a:lstStyle/>
-          <a:p>
-            <a:pPr lvl="0">
-              <a:defRPr sz="1800">
-                <a:solidFill>
-                  <a:srgbClr val="000000"/>
-                </a:solidFill>
-              </a:defRPr>
-            </a:pPr>
-            <a:r>
-              <a:rPr sz="3800">
-                <a:solidFill>
-                  <a:srgbClr val="FFFFFF"/>
-                </a:solidFill>
-              </a:rPr>
-              <a:t>slacking</a:t>
-            </a:r>
-            <a:endParaRPr sz="3800">
-              <a:solidFill>
-                <a:srgbClr val="FFFFFF"/>
-              </a:solidFill>
-            </a:endParaRPr>
-          </a:p>
-          <a:p>
-            <a:pPr lvl="0">
-              <a:defRPr sz="1800">
-                <a:solidFill>
-                  <a:srgbClr val="000000"/>
-                </a:solidFill>
-              </a:defRPr>
-            </a:pPr>
-            <a:r>
-              <a:rPr sz="3800">
-                <a:solidFill>
-                  <a:srgbClr val="FFFFFF"/>
-                </a:solidFill>
-              </a:rPr>
-              <a:t>leeching</a:t>
-            </a:r>
-          </a:p>
-        </p:txBody>
-      </p:sp>
+      </p:pic>
+      <p:pic>
+        <p:nvPicPr>
+          <p:cNvPr id="97" name=""/>
+          <p:cNvPicPr/>
+          <p:nvPr/>
+        </p:nvPicPr>
+        <p:blipFill>
+          <a:blip r:embed="rId5">
+            <a:extLst/>
+          </a:blip>
+          <a:stretch>
+            <a:fillRect/>
+          </a:stretch>
+        </p:blipFill>
+        <p:spPr>
+          <a:xfrm rot="19515824">
+            <a:off x="5997737" y="6138860"/>
+            <a:ext cx="3968435" cy="76201"/>
+          </a:xfrm>
+          <a:prstGeom prst="rect">
+            <a:avLst/>
+          </a:prstGeom>
+        </p:spPr>
+      </p:pic>
     </p:spTree>
   </p:cSld>
   <p:clrMapOvr>
@@ -3271,7 +3413,7 @@
       </p:grpSpPr>
       <p:sp>
         <p:nvSpPr>
-          <p:cNvPr id="93" name="Shape 93"/>
+          <p:cNvPr id="100" name="Shape 100"/>
           <p:cNvSpPr/>
           <p:nvPr>
             <p:ph type="title"/>
@@ -3279,8 +3421,8 @@
         </p:nvSpPr>
         <p:spPr>
           <a:xfrm>
-            <a:off x="1468881" y="607211"/>
-            <a:ext cx="10464801" cy="1422401"/>
+            <a:off x="650238" y="118251"/>
+            <a:ext cx="11704324" cy="2144890"/>
           </a:xfrm>
           <a:prstGeom prst="rect">
             <a:avLst/>
@@ -3290,78 +3432,361 @@
           <a:bodyPr/>
           <a:lstStyle/>
           <a:p>
-            <a:pPr lvl="0">
-              <a:defRPr sz="1800">
-                <a:solidFill>
-                  <a:srgbClr val="000000"/>
-                </a:solidFill>
-              </a:defRPr>
-            </a:pPr>
-            <a:r>
-              <a:rPr sz="8000">
-                <a:solidFill>
-                  <a:srgbClr val="FFFFFF"/>
-                </a:solidFill>
-              </a:rPr>
-              <a:t>Screenshots - Start</a:t>
+            <a:pPr lvl="2">
+              <a:defRPr sz="1800"/>
+            </a:pPr>
+            <a:r>
+              <a:rPr sz="6200">
+                <a:solidFill>
+                  <a:srgbClr val="FFFFFF"/>
+                </a:solidFill>
+              </a:rPr>
+              <a:t>Ran’s Contribution</a:t>
             </a:r>
           </a:p>
         </p:txBody>
       </p:sp>
-      <p:pic>
-        <p:nvPicPr>
-          <p:cNvPr id="94" name="HuntTheTrojans1.jpg"/>
-          <p:cNvPicPr/>
-          <p:nvPr/>
-        </p:nvPicPr>
-        <p:blipFill>
-          <a:blip r:embed="rId2">
-            <a:extLst/>
-          </a:blip>
-          <a:stretch>
-            <a:fillRect/>
-          </a:stretch>
-        </p:blipFill>
+      <p:sp>
+        <p:nvSpPr>
+          <p:cNvPr id="101" name="Shape 101"/>
+          <p:cNvSpPr/>
+          <p:nvPr>
+            <p:ph type="body" idx="1"/>
+          </p:nvPr>
+        </p:nvSpPr>
         <p:spPr>
-          <a:xfrm>
-            <a:off x="2115283" y="2559781"/>
-            <a:ext cx="3731251" cy="6633335"/>
-          </a:xfrm>
           <a:prstGeom prst="rect">
             <a:avLst/>
           </a:prstGeom>
-          <a:ln w="12700">
-            <a:miter lim="400000"/>
-          </a:ln>
         </p:spPr>
-      </p:pic>
-      <p:pic>
-        <p:nvPicPr>
-          <p:cNvPr id="95" name="HuntTheTrojans2.jpg"/>
-          <p:cNvPicPr/>
-          <p:nvPr/>
-        </p:nvPicPr>
-        <p:blipFill>
-          <a:blip r:embed="rId3">
-            <a:extLst/>
-          </a:blip>
-          <a:stretch>
-            <a:fillRect/>
-          </a:stretch>
-        </p:blipFill>
+        <p:txBody>
+          <a:bodyPr/>
+          <a:lstStyle/>
+          <a:p>
+            <a:pPr lvl="0" marL="330040" indent="-330040" defTabSz="640079">
+              <a:spcBef>
+                <a:spcPts val="400"/>
+              </a:spcBef>
+              <a:defRPr sz="1800"/>
+            </a:pPr>
+            <a:r>
+              <a:rPr sz="3080">
+                <a:solidFill>
+                  <a:srgbClr val="FFFFFF"/>
+                </a:solidFill>
+                <a:latin typeface="+mn-lt"/>
+                <a:ea typeface="+mn-ea"/>
+                <a:cs typeface="+mn-cs"/>
+                <a:sym typeface="Helvetica Light"/>
+              </a:rPr>
+              <a:t>wrote the code that lets the app access the parse server.</a:t>
+            </a:r>
+            <a:endParaRPr sz="3080">
+              <a:solidFill>
+                <a:srgbClr val="FFFFFF"/>
+              </a:solidFill>
+              <a:latin typeface="+mn-lt"/>
+              <a:ea typeface="+mn-ea"/>
+              <a:cs typeface="+mn-cs"/>
+              <a:sym typeface="Helvetica Light"/>
+            </a:endParaRPr>
+          </a:p>
+          <a:p>
+            <a:pPr lvl="0" marL="330040" indent="-330040" defTabSz="640079">
+              <a:spcBef>
+                <a:spcPts val="400"/>
+              </a:spcBef>
+              <a:defRPr sz="1800"/>
+            </a:pPr>
+            <a:r>
+              <a:rPr sz="3080">
+                <a:solidFill>
+                  <a:srgbClr val="FFFFFF"/>
+                </a:solidFill>
+                <a:latin typeface="+mn-lt"/>
+                <a:ea typeface="+mn-ea"/>
+                <a:cs typeface="+mn-cs"/>
+                <a:sym typeface="Helvetica Light"/>
+              </a:rPr>
+              <a:t>organized the server inputs and defined the entries for the table</a:t>
+            </a:r>
+            <a:endParaRPr sz="3080">
+              <a:solidFill>
+                <a:srgbClr val="FFFFFF"/>
+              </a:solidFill>
+              <a:latin typeface="+mn-lt"/>
+              <a:ea typeface="+mn-ea"/>
+              <a:cs typeface="+mn-cs"/>
+              <a:sym typeface="Helvetica Light"/>
+            </a:endParaRPr>
+          </a:p>
+          <a:p>
+            <a:pPr lvl="0" marL="330040" indent="-330040" defTabSz="640079">
+              <a:spcBef>
+                <a:spcPts val="400"/>
+              </a:spcBef>
+              <a:defRPr sz="1800"/>
+            </a:pPr>
+            <a:r>
+              <a:rPr sz="3080">
+                <a:solidFill>
+                  <a:srgbClr val="FFFFFF"/>
+                </a:solidFill>
+                <a:latin typeface="+mn-lt"/>
+                <a:ea typeface="+mn-ea"/>
+                <a:cs typeface="+mn-cs"/>
+                <a:sym typeface="Helvetica Light"/>
+              </a:rPr>
+              <a:t>worked on the code for part of the game logic, different activity displays, layout of the app, and integrating the server code into the rest of the app.</a:t>
+            </a:r>
+            <a:endParaRPr sz="3080">
+              <a:solidFill>
+                <a:srgbClr val="FFFFFF"/>
+              </a:solidFill>
+              <a:latin typeface="+mn-lt"/>
+              <a:ea typeface="+mn-ea"/>
+              <a:cs typeface="+mn-cs"/>
+              <a:sym typeface="Helvetica Light"/>
+            </a:endParaRPr>
+          </a:p>
+          <a:p>
+            <a:pPr lvl="0" marL="330040" indent="-330040" defTabSz="640079">
+              <a:spcBef>
+                <a:spcPts val="400"/>
+              </a:spcBef>
+              <a:defRPr sz="1800"/>
+            </a:pPr>
+            <a:r>
+              <a:rPr sz="3080">
+                <a:solidFill>
+                  <a:srgbClr val="FFFFFF"/>
+                </a:solidFill>
+                <a:latin typeface="+mn-lt"/>
+                <a:ea typeface="+mn-ea"/>
+                <a:cs typeface="+mn-cs"/>
+                <a:sym typeface="Helvetica Light"/>
+              </a:rPr>
+              <a:t>For the map:</a:t>
+            </a:r>
+            <a:endParaRPr sz="3080">
+              <a:solidFill>
+                <a:srgbClr val="FFFFFF"/>
+              </a:solidFill>
+              <a:latin typeface="+mn-lt"/>
+              <a:ea typeface="+mn-ea"/>
+              <a:cs typeface="+mn-cs"/>
+              <a:sym typeface="Helvetica Light"/>
+            </a:endParaRPr>
+          </a:p>
+          <a:p>
+            <a:pPr lvl="2" marL="970120" indent="-330040" defTabSz="640079">
+              <a:spcBef>
+                <a:spcPts val="400"/>
+              </a:spcBef>
+              <a:defRPr sz="1800"/>
+            </a:pPr>
+            <a:r>
+              <a:rPr sz="3080">
+                <a:solidFill>
+                  <a:srgbClr val="FFFFFF"/>
+                </a:solidFill>
+                <a:latin typeface="+mn-lt"/>
+                <a:ea typeface="+mn-ea"/>
+                <a:cs typeface="+mn-cs"/>
+                <a:sym typeface="Helvetica Light"/>
+              </a:rPr>
+              <a:t>upload and download of location data that is currently allowed to be viewed</a:t>
+            </a:r>
+            <a:endParaRPr sz="3080">
+              <a:solidFill>
+                <a:srgbClr val="FFFFFF"/>
+              </a:solidFill>
+              <a:latin typeface="+mn-lt"/>
+              <a:ea typeface="+mn-ea"/>
+              <a:cs typeface="+mn-cs"/>
+              <a:sym typeface="Helvetica Light"/>
+            </a:endParaRPr>
+          </a:p>
+          <a:p>
+            <a:pPr lvl="0" marL="330040" indent="-330040" defTabSz="640079">
+              <a:spcBef>
+                <a:spcPts val="400"/>
+              </a:spcBef>
+              <a:defRPr sz="1800"/>
+            </a:pPr>
+            <a:r>
+              <a:rPr sz="3080">
+                <a:solidFill>
+                  <a:srgbClr val="FFFFFF"/>
+                </a:solidFill>
+                <a:latin typeface="+mn-lt"/>
+                <a:ea typeface="+mn-ea"/>
+                <a:cs typeface="+mn-cs"/>
+                <a:sym typeface="Helvetica Light"/>
+              </a:rPr>
+              <a:t>For the game logic:</a:t>
+            </a:r>
+            <a:endParaRPr sz="3080">
+              <a:solidFill>
+                <a:srgbClr val="FFFFFF"/>
+              </a:solidFill>
+              <a:latin typeface="+mn-lt"/>
+              <a:ea typeface="+mn-ea"/>
+              <a:cs typeface="+mn-cs"/>
+              <a:sym typeface="Helvetica Light"/>
+            </a:endParaRPr>
+          </a:p>
+          <a:p>
+            <a:pPr lvl="2" marL="970120" indent="-330040" defTabSz="640079">
+              <a:spcBef>
+                <a:spcPts val="400"/>
+              </a:spcBef>
+              <a:defRPr sz="1800"/>
+            </a:pPr>
+            <a:r>
+              <a:rPr sz="3080">
+                <a:solidFill>
+                  <a:srgbClr val="FFFFFF"/>
+                </a:solidFill>
+                <a:latin typeface="+mn-lt"/>
+                <a:ea typeface="+mn-ea"/>
+                <a:cs typeface="+mn-cs"/>
+                <a:sym typeface="Helvetica Light"/>
+              </a:rPr>
+              <a:t>upload and check conditions on the server to see if we can:</a:t>
+            </a:r>
+            <a:endParaRPr sz="3080">
+              <a:solidFill>
+                <a:srgbClr val="FFFFFF"/>
+              </a:solidFill>
+              <a:latin typeface="+mn-lt"/>
+              <a:ea typeface="+mn-ea"/>
+              <a:cs typeface="+mn-cs"/>
+              <a:sym typeface="Helvetica Light"/>
+            </a:endParaRPr>
+          </a:p>
+          <a:p>
+            <a:pPr lvl="4" marL="1610200" indent="-330040" defTabSz="640079">
+              <a:spcBef>
+                <a:spcPts val="400"/>
+              </a:spcBef>
+              <a:buChar char="•"/>
+              <a:defRPr sz="1800"/>
+            </a:pPr>
+            <a:r>
+              <a:rPr sz="3080">
+                <a:solidFill>
+                  <a:srgbClr val="FFFFFF"/>
+                </a:solidFill>
+                <a:latin typeface="+mn-lt"/>
+                <a:ea typeface="+mn-ea"/>
+                <a:cs typeface="+mn-cs"/>
+                <a:sym typeface="Helvetica Light"/>
+              </a:rPr>
+              <a:t>make a game</a:t>
+            </a:r>
+            <a:endParaRPr sz="3080">
+              <a:solidFill>
+                <a:srgbClr val="FFFFFF"/>
+              </a:solidFill>
+              <a:latin typeface="+mn-lt"/>
+              <a:ea typeface="+mn-ea"/>
+              <a:cs typeface="+mn-cs"/>
+              <a:sym typeface="Helvetica Light"/>
+            </a:endParaRPr>
+          </a:p>
+          <a:p>
+            <a:pPr lvl="4" marL="1610200" indent="-330040" defTabSz="640079">
+              <a:spcBef>
+                <a:spcPts val="400"/>
+              </a:spcBef>
+              <a:buChar char="•"/>
+              <a:defRPr sz="1800"/>
+            </a:pPr>
+            <a:r>
+              <a:rPr sz="3080">
+                <a:solidFill>
+                  <a:srgbClr val="FFFFFF"/>
+                </a:solidFill>
+                <a:latin typeface="+mn-lt"/>
+                <a:ea typeface="+mn-ea"/>
+                <a:cs typeface="+mn-cs"/>
+                <a:sym typeface="Helvetica Light"/>
+              </a:rPr>
+              <a:t>join a game</a:t>
+            </a:r>
+            <a:endParaRPr sz="3080">
+              <a:solidFill>
+                <a:srgbClr val="FFFFFF"/>
+              </a:solidFill>
+              <a:latin typeface="+mn-lt"/>
+              <a:ea typeface="+mn-ea"/>
+              <a:cs typeface="+mn-cs"/>
+              <a:sym typeface="Helvetica Light"/>
+            </a:endParaRPr>
+          </a:p>
+          <a:p>
+            <a:pPr lvl="4" marL="1610200" indent="-330040" defTabSz="640079">
+              <a:spcBef>
+                <a:spcPts val="400"/>
+              </a:spcBef>
+              <a:buChar char="•"/>
+              <a:defRPr sz="1800"/>
+            </a:pPr>
+            <a:r>
+              <a:rPr sz="3080">
+                <a:solidFill>
+                  <a:srgbClr val="FFFFFF"/>
+                </a:solidFill>
+                <a:latin typeface="+mn-lt"/>
+                <a:ea typeface="+mn-ea"/>
+                <a:cs typeface="+mn-cs"/>
+                <a:sym typeface="Helvetica Light"/>
+              </a:rPr>
+              <a:t>won/lost a game</a:t>
+            </a:r>
+          </a:p>
+        </p:txBody>
+      </p:sp>
+      <p:sp>
+        <p:nvSpPr>
+          <p:cNvPr id="102" name="Shape 102"/>
+          <p:cNvSpPr/>
+          <p:nvPr>
+            <p:ph type="sldNum" sz="quarter" idx="2"/>
+          </p:nvPr>
+        </p:nvSpPr>
         <p:spPr>
-          <a:xfrm>
-            <a:off x="7594005" y="2559782"/>
-            <a:ext cx="3731251" cy="6633334"/>
-          </a:xfrm>
           <a:prstGeom prst="rect">
             <a:avLst/>
           </a:prstGeom>
-          <a:ln w="12700">
-            <a:miter lim="400000"/>
-          </a:ln>
+          <a:extLst>
+            <a:ext uri="{C572A759-6A51-4108-AA02-DFA0A04FC94B}">
+              <ma14:wrappingTextBoxFlag xmlns:ma14="http://schemas.microsoft.com/office/mac/drawingml/2011/main" val="1"/>
+            </a:ext>
+          </a:extLst>
         </p:spPr>
-      </p:pic>
+        <p:txBody>
+          <a:bodyPr/>
+          <a:lstStyle/>
+          <a:p>
+            <a:pPr lvl="0">
+              <a:defRPr sz="1800">
+                <a:solidFill>
+                  <a:srgbClr val="000000"/>
+                </a:solidFill>
+              </a:defRPr>
+            </a:pPr>
+            <a:fld id="{86CB4B4D-7CA3-9044-876B-883B54F8677D}" type="slidenum">
+              <a:rPr sz="1600">
+                <a:solidFill>
+                  <a:srgbClr val="888888"/>
+                </a:solidFill>
+              </a:rPr>
+            </a:fld>
+          </a:p>
+        </p:txBody>
+      </p:sp>
     </p:spTree>
   </p:cSld>
   <p:clrMapOvr>
@@ -3405,17 +3830,13 @@
       </p:grpSpPr>
       <p:sp>
         <p:nvSpPr>
-          <p:cNvPr id="97" name="Shape 97"/>
+          <p:cNvPr id="104" name="Shape 104"/>
           <p:cNvSpPr/>
           <p:nvPr>
             <p:ph type="title"/>
           </p:nvPr>
         </p:nvSpPr>
         <p:spPr>
-          <a:xfrm>
-            <a:off x="1468881" y="607211"/>
-            <a:ext cx="10464801" cy="1422401"/>
-          </a:xfrm>
           <a:prstGeom prst="rect">
             <a:avLst/>
           </a:prstGeom>
@@ -3437,65 +3858,199 @@
                   <a:srgbClr val="FFFFFF"/>
                 </a:solidFill>
               </a:rPr>
-              <a:t>Screenshots - Map</a:t>
+              <a:t>Nero’s Contribution</a:t>
             </a:r>
           </a:p>
         </p:txBody>
       </p:sp>
-      <p:pic>
-        <p:nvPicPr>
-          <p:cNvPr id="98" name="HuntTheTrojans3.jpg"/>
-          <p:cNvPicPr/>
-          <p:nvPr/>
-        </p:nvPicPr>
-        <p:blipFill>
-          <a:blip r:embed="rId2">
-            <a:extLst/>
-          </a:blip>
-          <a:stretch>
-            <a:fillRect/>
-          </a:stretch>
-        </p:blipFill>
+      <p:sp>
+        <p:nvSpPr>
+          <p:cNvPr id="105" name="Shape 105"/>
+          <p:cNvSpPr/>
+          <p:nvPr>
+            <p:ph type="body" idx="1"/>
+          </p:nvPr>
+        </p:nvSpPr>
         <p:spPr>
-          <a:xfrm>
-            <a:off x="2186227" y="2653535"/>
-            <a:ext cx="3729365" cy="6629982"/>
-          </a:xfrm>
           <a:prstGeom prst="rect">
             <a:avLst/>
           </a:prstGeom>
-          <a:ln w="12700">
-            <a:miter lim="400000"/>
-          </a:ln>
         </p:spPr>
-      </p:pic>
-      <p:pic>
-        <p:nvPicPr>
-          <p:cNvPr id="99" name="HuntTheTrojans4.jpg"/>
-          <p:cNvPicPr/>
-          <p:nvPr/>
-        </p:nvPicPr>
-        <p:blipFill>
-          <a:blip r:embed="rId3">
-            <a:extLst/>
-          </a:blip>
-          <a:stretch>
-            <a:fillRect/>
-          </a:stretch>
-        </p:blipFill>
-        <p:spPr>
-          <a:xfrm>
-            <a:off x="7583630" y="2653535"/>
-            <a:ext cx="3729365" cy="6629982"/>
-          </a:xfrm>
-          <a:prstGeom prst="rect">
-            <a:avLst/>
-          </a:prstGeom>
-          <a:ln w="12700">
-            <a:miter lim="400000"/>
-          </a:ln>
-        </p:spPr>
-      </p:pic>
+        <p:txBody>
+          <a:bodyPr/>
+          <a:lstStyle/>
+          <a:p>
+            <a:pPr lvl="0" marL="302260" indent="-302260" defTabSz="397256">
+              <a:spcBef>
+                <a:spcPts val="2800"/>
+              </a:spcBef>
+              <a:defRPr sz="1800">
+                <a:solidFill>
+                  <a:srgbClr val="000000"/>
+                </a:solidFill>
+              </a:defRPr>
+            </a:pPr>
+            <a:r>
+              <a:rPr sz="2584">
+                <a:solidFill>
+                  <a:srgbClr val="FFFFFF"/>
+                </a:solidFill>
+              </a:rPr>
+              <a:t>Used the Google Map API to create a map in the app and support the following functionalities</a:t>
+            </a:r>
+            <a:endParaRPr sz="2584">
+              <a:solidFill>
+                <a:srgbClr val="FFFFFF"/>
+              </a:solidFill>
+            </a:endParaRPr>
+          </a:p>
+          <a:p>
+            <a:pPr lvl="1" marL="604520" indent="-302260" defTabSz="397256">
+              <a:spcBef>
+                <a:spcPts val="2800"/>
+              </a:spcBef>
+              <a:defRPr sz="1800">
+                <a:solidFill>
+                  <a:srgbClr val="000000"/>
+                </a:solidFill>
+              </a:defRPr>
+            </a:pPr>
+            <a:r>
+              <a:rPr sz="2584">
+                <a:solidFill>
+                  <a:srgbClr val="FFFFFF"/>
+                </a:solidFill>
+              </a:rPr>
+              <a:t>Acquire the device’s current location through Wi-Fi or GPS</a:t>
+            </a:r>
+            <a:endParaRPr sz="2584">
+              <a:solidFill>
+                <a:srgbClr val="FFFFFF"/>
+              </a:solidFill>
+            </a:endParaRPr>
+          </a:p>
+          <a:p>
+            <a:pPr lvl="1" marL="604520" indent="-302260" defTabSz="397256">
+              <a:spcBef>
+                <a:spcPts val="2800"/>
+              </a:spcBef>
+              <a:defRPr sz="1800">
+                <a:solidFill>
+                  <a:srgbClr val="000000"/>
+                </a:solidFill>
+              </a:defRPr>
+            </a:pPr>
+            <a:r>
+              <a:rPr sz="2584">
+                <a:solidFill>
+                  <a:srgbClr val="FFFFFF"/>
+                </a:solidFill>
+              </a:rPr>
+              <a:t>Update current location through a location listener</a:t>
+            </a:r>
+            <a:endParaRPr sz="2584">
+              <a:solidFill>
+                <a:srgbClr val="FFFFFF"/>
+              </a:solidFill>
+            </a:endParaRPr>
+          </a:p>
+          <a:p>
+            <a:pPr lvl="1" marL="604520" indent="-302260" defTabSz="397256">
+              <a:spcBef>
+                <a:spcPts val="2800"/>
+              </a:spcBef>
+              <a:defRPr sz="1800">
+                <a:solidFill>
+                  <a:srgbClr val="000000"/>
+                </a:solidFill>
+              </a:defRPr>
+            </a:pPr>
+            <a:r>
+              <a:rPr sz="2584">
+                <a:solidFill>
+                  <a:srgbClr val="FFFFFF"/>
+                </a:solidFill>
+              </a:rPr>
+              <a:t>Draw a marker on the map with a location as input</a:t>
+            </a:r>
+            <a:endParaRPr sz="2584">
+              <a:solidFill>
+                <a:srgbClr val="FFFFFF"/>
+              </a:solidFill>
+            </a:endParaRPr>
+          </a:p>
+          <a:p>
+            <a:pPr lvl="0" marL="302260" indent="-302260" defTabSz="397256">
+              <a:spcBef>
+                <a:spcPts val="2800"/>
+              </a:spcBef>
+              <a:defRPr sz="1800">
+                <a:solidFill>
+                  <a:srgbClr val="000000"/>
+                </a:solidFill>
+              </a:defRPr>
+            </a:pPr>
+            <a:r>
+              <a:rPr sz="2584">
+                <a:solidFill>
+                  <a:srgbClr val="FFFFFF"/>
+                </a:solidFill>
+              </a:rPr>
+              <a:t>Integrated Parse API for upload and download (from Ran) to support the following functionalities</a:t>
+            </a:r>
+            <a:endParaRPr sz="2584">
+              <a:solidFill>
+                <a:srgbClr val="FFFFFF"/>
+              </a:solidFill>
+            </a:endParaRPr>
+          </a:p>
+          <a:p>
+            <a:pPr lvl="1" marL="604520" indent="-302260" defTabSz="397256">
+              <a:spcBef>
+                <a:spcPts val="2800"/>
+              </a:spcBef>
+              <a:defRPr sz="1800">
+                <a:solidFill>
+                  <a:srgbClr val="000000"/>
+                </a:solidFill>
+              </a:defRPr>
+            </a:pPr>
+            <a:r>
+              <a:rPr sz="2584">
+                <a:solidFill>
+                  <a:srgbClr val="FFFFFF"/>
+                </a:solidFill>
+              </a:rPr>
+              <a:t>Put the device’s current location on Parse as current location updates</a:t>
+            </a:r>
+            <a:endParaRPr sz="2584">
+              <a:solidFill>
+                <a:srgbClr val="FFFFFF"/>
+              </a:solidFill>
+            </a:endParaRPr>
+          </a:p>
+          <a:p>
+            <a:pPr lvl="1" marL="604520" indent="-302260" defTabSz="397256">
+              <a:spcBef>
+                <a:spcPts val="2800"/>
+              </a:spcBef>
+              <a:defRPr sz="1800">
+                <a:solidFill>
+                  <a:srgbClr val="000000"/>
+                </a:solidFill>
+              </a:defRPr>
+            </a:pPr>
+            <a:r>
+              <a:rPr sz="2584">
+                <a:solidFill>
+                  <a:srgbClr val="FFFFFF"/>
+                </a:solidFill>
+              </a:rPr>
+              <a:t>Download the locations of other devices from Parse and draw markers for those locations upon player’s request</a:t>
+            </a:r>
+          </a:p>
+        </p:txBody>
+      </p:sp>
     </p:spTree>
   </p:cSld>
   <p:clrMapOvr>
@@ -3539,7 +4094,7 @@
       </p:grpSpPr>
       <p:sp>
         <p:nvSpPr>
-          <p:cNvPr id="101" name="Shape 101"/>
+          <p:cNvPr id="107" name="Shape 107"/>
           <p:cNvSpPr/>
           <p:nvPr>
             <p:ph type="title"/>
@@ -3552,7 +4107,11 @@
         </p:spPr>
         <p:txBody>
           <a:bodyPr/>
-          <a:lstStyle/>
+          <a:lstStyle>
+            <a:lvl1pPr defTabSz="572516">
+              <a:defRPr sz="7840"/>
+            </a:lvl1pPr>
+          </a:lstStyle>
           <a:p>
             <a:pPr lvl="0">
               <a:defRPr sz="1800">
@@ -3562,22 +4121,375 @@
               </a:defRPr>
             </a:pPr>
             <a:r>
-              <a:rPr sz="8000">
-                <a:solidFill>
-                  <a:srgbClr val="FFFFFF"/>
-                </a:solidFill>
-              </a:rPr>
-              <a:t>Q&amp;A</a:t>
+              <a:rPr sz="7840">
+                <a:solidFill>
+                  <a:srgbClr val="FFFFFF"/>
+                </a:solidFill>
+              </a:rPr>
+              <a:t>Jonathan’s Contributions</a:t>
             </a:r>
           </a:p>
         </p:txBody>
       </p:sp>
       <p:sp>
         <p:nvSpPr>
-          <p:cNvPr id="102" name="Shape 102"/>
+          <p:cNvPr id="108" name="Shape 108"/>
           <p:cNvSpPr/>
           <p:nvPr>
             <p:ph type="body" idx="1"/>
+          </p:nvPr>
+        </p:nvSpPr>
+        <p:spPr>
+          <a:xfrm>
+            <a:off x="952500" y="2597150"/>
+            <a:ext cx="11099801" cy="6286501"/>
+          </a:xfrm>
+          <a:prstGeom prst="rect">
+            <a:avLst/>
+          </a:prstGeom>
+        </p:spPr>
+        <p:txBody>
+          <a:bodyPr/>
+          <a:lstStyle/>
+          <a:p>
+            <a:pPr lvl="0" marL="262254" indent="-262254" defTabSz="344677">
+              <a:spcBef>
+                <a:spcPts val="2400"/>
+              </a:spcBef>
+              <a:defRPr sz="1800">
+                <a:solidFill>
+                  <a:srgbClr val="000000"/>
+                </a:solidFill>
+              </a:defRPr>
+            </a:pPr>
+            <a:r>
+              <a:rPr sz="2241">
+                <a:solidFill>
+                  <a:srgbClr val="FFFFFF"/>
+                </a:solidFill>
+              </a:rPr>
+              <a:t>Bluetooth</a:t>
+            </a:r>
+            <a:endParaRPr sz="2241">
+              <a:solidFill>
+                <a:srgbClr val="FFFFFF"/>
+              </a:solidFill>
+            </a:endParaRPr>
+          </a:p>
+          <a:p>
+            <a:pPr lvl="1" marL="524509" indent="-262254" defTabSz="344677">
+              <a:spcBef>
+                <a:spcPts val="2400"/>
+              </a:spcBef>
+              <a:defRPr sz="1800">
+                <a:solidFill>
+                  <a:srgbClr val="000000"/>
+                </a:solidFill>
+              </a:defRPr>
+            </a:pPr>
+            <a:r>
+              <a:rPr sz="2241">
+                <a:solidFill>
+                  <a:srgbClr val="FFFFFF"/>
+                </a:solidFill>
+              </a:rPr>
+              <a:t>Hours of research through online documentation and experimentation</a:t>
+            </a:r>
+            <a:endParaRPr sz="2241">
+              <a:solidFill>
+                <a:srgbClr val="FFFFFF"/>
+              </a:solidFill>
+            </a:endParaRPr>
+          </a:p>
+          <a:p>
+            <a:pPr lvl="1" marL="524509" indent="-262254" defTabSz="344677">
+              <a:spcBef>
+                <a:spcPts val="2400"/>
+              </a:spcBef>
+              <a:defRPr sz="1800">
+                <a:solidFill>
+                  <a:srgbClr val="000000"/>
+                </a:solidFill>
+              </a:defRPr>
+            </a:pPr>
+            <a:r>
+              <a:rPr sz="2241">
+                <a:solidFill>
+                  <a:srgbClr val="FFFFFF"/>
+                </a:solidFill>
+              </a:rPr>
+              <a:t>Creating the </a:t>
+            </a:r>
+            <a:r>
+              <a:rPr b="1" sz="2241">
+                <a:solidFill>
+                  <a:srgbClr val="FFFFFF"/>
+                </a:solidFill>
+                <a:latin typeface="Helvetica"/>
+                <a:ea typeface="Helvetica"/>
+                <a:cs typeface="Helvetica"/>
+                <a:sym typeface="Helvetica"/>
+              </a:rPr>
+              <a:t>BluethoothRunner</a:t>
+            </a:r>
+            <a:r>
+              <a:rPr sz="2241">
+                <a:solidFill>
+                  <a:srgbClr val="FFFFFF"/>
+                </a:solidFill>
+              </a:rPr>
+              <a:t> and </a:t>
+            </a:r>
+            <a:r>
+              <a:rPr b="1" sz="2241">
+                <a:solidFill>
+                  <a:srgbClr val="FFFFFF"/>
+                </a:solidFill>
+                <a:latin typeface="Helvetica"/>
+                <a:ea typeface="Helvetica"/>
+                <a:cs typeface="Helvetica"/>
+                <a:sym typeface="Helvetica"/>
+              </a:rPr>
+              <a:t>AccetThread</a:t>
+            </a:r>
+            <a:r>
+              <a:rPr sz="2241">
+                <a:solidFill>
+                  <a:srgbClr val="FFFFFF"/>
+                </a:solidFill>
+              </a:rPr>
+              <a:t> classes wich allowed the Cat to run its Bluetooth without blocking the main thread.</a:t>
+            </a:r>
+            <a:endParaRPr sz="2241">
+              <a:solidFill>
+                <a:srgbClr val="FFFFFF"/>
+              </a:solidFill>
+            </a:endParaRPr>
+          </a:p>
+          <a:p>
+            <a:pPr lvl="1" marL="524509" indent="-262254" defTabSz="344677">
+              <a:spcBef>
+                <a:spcPts val="2400"/>
+              </a:spcBef>
+              <a:defRPr sz="1800">
+                <a:solidFill>
+                  <a:srgbClr val="000000"/>
+                </a:solidFill>
+              </a:defRPr>
+            </a:pPr>
+            <a:r>
+              <a:rPr sz="2241">
+                <a:solidFill>
+                  <a:srgbClr val="FFFFFF"/>
+                </a:solidFill>
+              </a:rPr>
+              <a:t>Creating the </a:t>
+            </a:r>
+            <a:r>
+              <a:rPr b="1" sz="2241">
+                <a:solidFill>
+                  <a:srgbClr val="FFFFFF"/>
+                </a:solidFill>
+                <a:latin typeface="Helvetica"/>
+                <a:ea typeface="Helvetica"/>
+                <a:cs typeface="Helvetica"/>
+                <a:sym typeface="Helvetica"/>
+              </a:rPr>
+              <a:t>ClientRunner</a:t>
+            </a:r>
+            <a:r>
+              <a:rPr sz="2241">
+                <a:solidFill>
+                  <a:srgbClr val="FFFFFF"/>
+                </a:solidFill>
+              </a:rPr>
+              <a:t> and </a:t>
+            </a:r>
+            <a:r>
+              <a:rPr b="1" sz="2241">
+                <a:solidFill>
+                  <a:srgbClr val="FFFFFF"/>
+                </a:solidFill>
+                <a:latin typeface="Helvetica"/>
+                <a:ea typeface="Helvetica"/>
+                <a:cs typeface="Helvetica"/>
+                <a:sym typeface="Helvetica"/>
+              </a:rPr>
+              <a:t>ConnectThread</a:t>
+            </a:r>
+            <a:r>
+              <a:rPr sz="2241">
+                <a:solidFill>
+                  <a:srgbClr val="FFFFFF"/>
+                </a:solidFill>
+              </a:rPr>
+              <a:t> classes, which allowed the Mouse to run its Bluetooth tasks without blocking the main thread. </a:t>
+            </a:r>
+            <a:endParaRPr sz="2241">
+              <a:solidFill>
+                <a:srgbClr val="FFFFFF"/>
+              </a:solidFill>
+            </a:endParaRPr>
+          </a:p>
+          <a:p>
+            <a:pPr lvl="1" marL="524509" indent="-262254" defTabSz="344677">
+              <a:spcBef>
+                <a:spcPts val="2400"/>
+              </a:spcBef>
+              <a:defRPr sz="1800">
+                <a:solidFill>
+                  <a:srgbClr val="000000"/>
+                </a:solidFill>
+              </a:defRPr>
+            </a:pPr>
+            <a:r>
+              <a:rPr sz="2241">
+                <a:solidFill>
+                  <a:srgbClr val="FFFFFF"/>
+                </a:solidFill>
+              </a:rPr>
+              <a:t>Creating the </a:t>
+            </a:r>
+            <a:r>
+              <a:rPr b="1" sz="2241">
+                <a:solidFill>
+                  <a:srgbClr val="FFFFFF"/>
+                </a:solidFill>
+                <a:latin typeface="Helvetica"/>
+                <a:ea typeface="Helvetica"/>
+                <a:cs typeface="Helvetica"/>
+                <a:sym typeface="Helvetica"/>
+              </a:rPr>
+              <a:t>BackRunner</a:t>
+            </a:r>
+            <a:r>
+              <a:rPr sz="2241">
+                <a:solidFill>
+                  <a:srgbClr val="FFFFFF"/>
+                </a:solidFill>
+              </a:rPr>
+              <a:t> and </a:t>
+            </a:r>
+            <a:r>
+              <a:rPr b="1" sz="2241">
+                <a:solidFill>
+                  <a:srgbClr val="FFFFFF"/>
+                </a:solidFill>
+                <a:latin typeface="Helvetica"/>
+                <a:ea typeface="Helvetica"/>
+                <a:cs typeface="Helvetica"/>
+                <a:sym typeface="Helvetica"/>
+              </a:rPr>
+              <a:t>BackThread</a:t>
+            </a:r>
+            <a:r>
+              <a:rPr sz="2241">
+                <a:solidFill>
+                  <a:srgbClr val="FFFFFF"/>
+                </a:solidFill>
+              </a:rPr>
+              <a:t>, which allowed any device to check its “already paired devices” for a reconnection.</a:t>
+            </a:r>
+            <a:endParaRPr sz="2241">
+              <a:solidFill>
+                <a:srgbClr val="FFFFFF"/>
+              </a:solidFill>
+            </a:endParaRPr>
+          </a:p>
+          <a:p>
+            <a:pPr lvl="1" marL="524509" indent="-262254" defTabSz="344677">
+              <a:spcBef>
+                <a:spcPts val="2400"/>
+              </a:spcBef>
+              <a:defRPr sz="1800">
+                <a:solidFill>
+                  <a:srgbClr val="000000"/>
+                </a:solidFill>
+              </a:defRPr>
+            </a:pPr>
+            <a:r>
+              <a:rPr sz="2241">
+                <a:solidFill>
+                  <a:srgbClr val="FFFFFF"/>
+                </a:solidFill>
+              </a:rPr>
+              <a:t>Using the classes, programmed the socket communication between AcceptThread and ConnectThread to exchange a mouse’s ID number to the cat for further processing.</a:t>
+            </a:r>
+            <a:endParaRPr sz="2241">
+              <a:solidFill>
+                <a:srgbClr val="FFFFFF"/>
+              </a:solidFill>
+            </a:endParaRPr>
+          </a:p>
+          <a:p>
+            <a:pPr lvl="1" marL="524509" indent="-262254" defTabSz="344677">
+              <a:spcBef>
+                <a:spcPts val="2400"/>
+              </a:spcBef>
+              <a:defRPr sz="1800">
+                <a:solidFill>
+                  <a:srgbClr val="000000"/>
+                </a:solidFill>
+              </a:defRPr>
+            </a:pPr>
+            <a:r>
+              <a:rPr sz="2241">
+                <a:solidFill>
+                  <a:srgbClr val="FFFFFF"/>
+                </a:solidFill>
+              </a:rPr>
+              <a:t>Debugging our Bluetooth implementation</a:t>
+            </a:r>
+          </a:p>
+        </p:txBody>
+      </p:sp>
+    </p:spTree>
+  </p:cSld>
+  <p:clrMapOvr>
+    <a:masterClrMapping/>
+  </p:clrMapOvr>
+  <p:transition spd="med" advClick="1"/>
+</p:sld>
+</file>
+
+<file path=ppt/slides/slide14.xml><?xml version="1.0" encoding="utf-8"?>
+<p:sld xmlns:a="http://schemas.openxmlformats.org/drawingml/2006/main" xmlns:r="http://schemas.openxmlformats.org/officeDocument/2006/relationships" xmlns:p="http://schemas.openxmlformats.org/presentationml/2006/main" showMasterSp="1" showMasterPhAnim="1">
+  <p:cSld>
+    <p:bg>
+      <p:bgPr>
+        <a:gradFill flip="none" rotWithShape="1">
+          <a:gsLst>
+            <a:gs pos="0">
+              <a:srgbClr val="0065C1"/>
+            </a:gs>
+            <a:gs pos="100000">
+              <a:srgbClr val="00397A"/>
+            </a:gs>
+          </a:gsLst>
+          <a:lin ang="5400000" scaled="0"/>
+        </a:gradFill>
+      </p:bgPr>
+    </p:bg>
+    <p:spTree>
+      <p:nvGrpSpPr>
+        <p:cNvPr id="1" name=""/>
+        <p:cNvGrpSpPr/>
+        <p:nvPr/>
+      </p:nvGrpSpPr>
+      <p:grpSpPr>
+        <a:xfrm>
+          <a:off x="0" y="0"/>
+          <a:ext cx="0" cy="0"/>
+          <a:chOff x="0" y="0"/>
+          <a:chExt cx="0" cy="0"/>
+        </a:xfrm>
+      </p:grpSpPr>
+      <p:sp>
+        <p:nvSpPr>
+          <p:cNvPr id="110" name="Shape 110"/>
+          <p:cNvSpPr/>
+          <p:nvPr>
+            <p:ph type="title"/>
           </p:nvPr>
         </p:nvSpPr>
         <p:spPr>
@@ -3587,7 +4499,11 @@
         </p:spPr>
         <p:txBody>
           <a:bodyPr/>
-          <a:lstStyle/>
+          <a:lstStyle>
+            <a:lvl1pPr defTabSz="572516">
+              <a:defRPr sz="7840"/>
+            </a:lvl1pPr>
+          </a:lstStyle>
           <a:p>
             <a:pPr lvl="0">
               <a:defRPr sz="1800">
@@ -3597,16 +4513,1117 @@
               </a:defRPr>
             </a:pPr>
             <a:r>
-              <a:rPr sz="3200">
-                <a:solidFill>
-                  <a:srgbClr val="FFFFFF"/>
-                </a:solidFill>
-              </a:rPr>
-              <a:t>Thank you!</a:t>
+              <a:rPr sz="7840">
+                <a:solidFill>
+                  <a:srgbClr val="FFFFFF"/>
+                </a:solidFill>
+              </a:rPr>
+              <a:t>Jonathan’s Contributions</a:t>
             </a:r>
           </a:p>
         </p:txBody>
       </p:sp>
+      <p:sp>
+        <p:nvSpPr>
+          <p:cNvPr id="111" name="Shape 111"/>
+          <p:cNvSpPr/>
+          <p:nvPr>
+            <p:ph type="body" idx="1"/>
+          </p:nvPr>
+        </p:nvSpPr>
+        <p:spPr>
+          <a:xfrm>
+            <a:off x="952500" y="2597150"/>
+            <a:ext cx="11099800" cy="6286500"/>
+          </a:xfrm>
+          <a:prstGeom prst="rect">
+            <a:avLst/>
+          </a:prstGeom>
+        </p:spPr>
+        <p:txBody>
+          <a:bodyPr/>
+          <a:lstStyle/>
+          <a:p>
+            <a:pPr lvl="0" marL="257809" indent="-257809" defTabSz="338835">
+              <a:spcBef>
+                <a:spcPts val="2400"/>
+              </a:spcBef>
+              <a:defRPr sz="1800">
+                <a:solidFill>
+                  <a:srgbClr val="000000"/>
+                </a:solidFill>
+              </a:defRPr>
+            </a:pPr>
+            <a:r>
+              <a:rPr sz="2204">
+                <a:solidFill>
+                  <a:srgbClr val="FFFFFF"/>
+                </a:solidFill>
+              </a:rPr>
+              <a:t>Parse</a:t>
+            </a:r>
+            <a:endParaRPr sz="2204">
+              <a:solidFill>
+                <a:srgbClr val="FFFFFF"/>
+              </a:solidFill>
+            </a:endParaRPr>
+          </a:p>
+          <a:p>
+            <a:pPr lvl="1" marL="515619" indent="-257809" defTabSz="338835">
+              <a:spcBef>
+                <a:spcPts val="2400"/>
+              </a:spcBef>
+              <a:defRPr sz="1800">
+                <a:solidFill>
+                  <a:srgbClr val="000000"/>
+                </a:solidFill>
+              </a:defRPr>
+            </a:pPr>
+            <a:r>
+              <a:rPr sz="2204">
+                <a:solidFill>
+                  <a:srgbClr val="FFFFFF"/>
+                </a:solidFill>
+              </a:rPr>
+              <a:t>Deciding on using Parse after considering and researching many other choices</a:t>
+            </a:r>
+            <a:endParaRPr sz="2204">
+              <a:solidFill>
+                <a:srgbClr val="FFFFFF"/>
+              </a:solidFill>
+            </a:endParaRPr>
+          </a:p>
+          <a:p>
+            <a:pPr lvl="1" marL="515619" indent="-257809" defTabSz="338835">
+              <a:spcBef>
+                <a:spcPts val="2400"/>
+              </a:spcBef>
+              <a:defRPr sz="1800">
+                <a:solidFill>
+                  <a:srgbClr val="000000"/>
+                </a:solidFill>
+              </a:defRPr>
+            </a:pPr>
+            <a:r>
+              <a:rPr sz="2204">
+                <a:solidFill>
+                  <a:srgbClr val="FFFFFF"/>
+                </a:solidFill>
+              </a:rPr>
+              <a:t>Supporting Ran on learning how to use Parse to update server</a:t>
+            </a:r>
+            <a:endParaRPr sz="2204">
+              <a:solidFill>
+                <a:srgbClr val="FFFFFF"/>
+              </a:solidFill>
+            </a:endParaRPr>
+          </a:p>
+          <a:p>
+            <a:pPr lvl="1" marL="515619" indent="-257809" defTabSz="338835">
+              <a:spcBef>
+                <a:spcPts val="2400"/>
+              </a:spcBef>
+              <a:defRPr sz="1800">
+                <a:solidFill>
+                  <a:srgbClr val="000000"/>
+                </a:solidFill>
+              </a:defRPr>
+            </a:pPr>
+            <a:r>
+              <a:rPr sz="2204">
+                <a:solidFill>
+                  <a:srgbClr val="FFFFFF"/>
+                </a:solidFill>
+              </a:rPr>
+              <a:t>Using Parse queries and Parse puts for game logic and Bluetooth functionality, and game logic</a:t>
+            </a:r>
+            <a:endParaRPr sz="2204">
+              <a:solidFill>
+                <a:srgbClr val="FFFFFF"/>
+              </a:solidFill>
+            </a:endParaRPr>
+          </a:p>
+          <a:p>
+            <a:pPr lvl="0" marL="257809" indent="-257809" defTabSz="338835">
+              <a:spcBef>
+                <a:spcPts val="2400"/>
+              </a:spcBef>
+              <a:defRPr sz="1800">
+                <a:solidFill>
+                  <a:srgbClr val="000000"/>
+                </a:solidFill>
+              </a:defRPr>
+            </a:pPr>
+            <a:r>
+              <a:rPr sz="2204">
+                <a:solidFill>
+                  <a:srgbClr val="FFFFFF"/>
+                </a:solidFill>
+              </a:rPr>
+              <a:t>Google Map</a:t>
+            </a:r>
+            <a:endParaRPr sz="2204">
+              <a:solidFill>
+                <a:srgbClr val="FFFFFF"/>
+              </a:solidFill>
+            </a:endParaRPr>
+          </a:p>
+          <a:p>
+            <a:pPr lvl="1" marL="515619" indent="-257809" defTabSz="338835">
+              <a:spcBef>
+                <a:spcPts val="2400"/>
+              </a:spcBef>
+              <a:defRPr sz="1800">
+                <a:solidFill>
+                  <a:srgbClr val="000000"/>
+                </a:solidFill>
+              </a:defRPr>
+            </a:pPr>
+            <a:r>
+              <a:rPr sz="2204">
+                <a:solidFill>
+                  <a:srgbClr val="FFFFFF"/>
+                </a:solidFill>
+              </a:rPr>
+              <a:t>Supporting Nero on Google Map API functions and with debugging</a:t>
+            </a:r>
+            <a:endParaRPr sz="2204">
+              <a:solidFill>
+                <a:srgbClr val="FFFFFF"/>
+              </a:solidFill>
+            </a:endParaRPr>
+          </a:p>
+          <a:p>
+            <a:pPr lvl="0" marL="257809" indent="-257809" defTabSz="338835">
+              <a:spcBef>
+                <a:spcPts val="2400"/>
+              </a:spcBef>
+              <a:defRPr sz="1800">
+                <a:solidFill>
+                  <a:srgbClr val="000000"/>
+                </a:solidFill>
+              </a:defRPr>
+            </a:pPr>
+            <a:r>
+              <a:rPr sz="2204">
+                <a:solidFill>
+                  <a:srgbClr val="FFFFFF"/>
+                </a:solidFill>
+              </a:rPr>
+              <a:t>Layout</a:t>
+            </a:r>
+            <a:endParaRPr sz="2204">
+              <a:solidFill>
+                <a:srgbClr val="FFFFFF"/>
+              </a:solidFill>
+            </a:endParaRPr>
+          </a:p>
+          <a:p>
+            <a:pPr lvl="1" marL="515619" indent="-257809" defTabSz="338835">
+              <a:spcBef>
+                <a:spcPts val="2400"/>
+              </a:spcBef>
+              <a:defRPr sz="1800">
+                <a:solidFill>
+                  <a:srgbClr val="000000"/>
+                </a:solidFill>
+              </a:defRPr>
+            </a:pPr>
+            <a:r>
+              <a:rPr sz="2204">
+                <a:solidFill>
+                  <a:srgbClr val="FFFFFF"/>
+                </a:solidFill>
+              </a:rPr>
+              <a:t>Create the GameStart activity. Created and mapped each button to functions.</a:t>
+            </a:r>
+            <a:endParaRPr sz="2204">
+              <a:solidFill>
+                <a:srgbClr val="FFFFFF"/>
+              </a:solidFill>
+            </a:endParaRPr>
+          </a:p>
+          <a:p>
+            <a:pPr lvl="1" marL="515619" indent="-257809" defTabSz="338835">
+              <a:spcBef>
+                <a:spcPts val="2400"/>
+              </a:spcBef>
+              <a:defRPr sz="1800">
+                <a:solidFill>
+                  <a:srgbClr val="000000"/>
+                </a:solidFill>
+              </a:defRPr>
+            </a:pPr>
+            <a:r>
+              <a:rPr sz="2204">
+                <a:solidFill>
+                  <a:srgbClr val="FFFFFF"/>
+                </a:solidFill>
+              </a:rPr>
+              <a:t>Creating the HunttheTrojan activity. Configured each object so any events won't alter or distort the UI. Created and mapped each TextView and Button to the logic.</a:t>
+            </a:r>
+          </a:p>
+        </p:txBody>
+      </p:sp>
+    </p:spTree>
+  </p:cSld>
+  <p:clrMapOvr>
+    <a:masterClrMapping/>
+  </p:clrMapOvr>
+  <p:transition spd="med" advClick="1"/>
+</p:sld>
+</file>
+
+<file path=ppt/slides/slide15.xml><?xml version="1.0" encoding="utf-8"?>
+<p:sld xmlns:a="http://schemas.openxmlformats.org/drawingml/2006/main" xmlns:r="http://schemas.openxmlformats.org/officeDocument/2006/relationships" xmlns:p="http://schemas.openxmlformats.org/presentationml/2006/main" showMasterSp="1" showMasterPhAnim="1">
+  <p:cSld>
+    <p:bg>
+      <p:bgPr>
+        <a:gradFill flip="none" rotWithShape="1">
+          <a:gsLst>
+            <a:gs pos="0">
+              <a:srgbClr val="0065C1"/>
+            </a:gs>
+            <a:gs pos="100000">
+              <a:srgbClr val="00397A"/>
+            </a:gs>
+          </a:gsLst>
+          <a:lin ang="5400000" scaled="0"/>
+        </a:gradFill>
+      </p:bgPr>
+    </p:bg>
+    <p:spTree>
+      <p:nvGrpSpPr>
+        <p:cNvPr id="1" name=""/>
+        <p:cNvGrpSpPr/>
+        <p:nvPr/>
+      </p:nvGrpSpPr>
+      <p:grpSpPr>
+        <a:xfrm>
+          <a:off x="0" y="0"/>
+          <a:ext cx="0" cy="0"/>
+          <a:chOff x="0" y="0"/>
+          <a:chExt cx="0" cy="0"/>
+        </a:xfrm>
+      </p:grpSpPr>
+      <p:sp>
+        <p:nvSpPr>
+          <p:cNvPr id="113" name="Shape 113"/>
+          <p:cNvSpPr/>
+          <p:nvPr>
+            <p:ph type="title"/>
+          </p:nvPr>
+        </p:nvSpPr>
+        <p:spPr>
+          <a:prstGeom prst="rect">
+            <a:avLst/>
+          </a:prstGeom>
+        </p:spPr>
+        <p:txBody>
+          <a:bodyPr/>
+          <a:lstStyle>
+            <a:lvl1pPr defTabSz="572516">
+              <a:defRPr sz="7840"/>
+            </a:lvl1pPr>
+          </a:lstStyle>
+          <a:p>
+            <a:pPr lvl="0">
+              <a:defRPr sz="1800">
+                <a:solidFill>
+                  <a:srgbClr val="000000"/>
+                </a:solidFill>
+              </a:defRPr>
+            </a:pPr>
+            <a:r>
+              <a:rPr sz="7840">
+                <a:solidFill>
+                  <a:srgbClr val="FFFFFF"/>
+                </a:solidFill>
+              </a:rPr>
+              <a:t>Jonathan’s Contributions</a:t>
+            </a:r>
+          </a:p>
+        </p:txBody>
+      </p:sp>
+      <p:sp>
+        <p:nvSpPr>
+          <p:cNvPr id="114" name="Shape 114"/>
+          <p:cNvSpPr/>
+          <p:nvPr>
+            <p:ph type="body" idx="1"/>
+          </p:nvPr>
+        </p:nvSpPr>
+        <p:spPr>
+          <a:xfrm>
+            <a:off x="952500" y="2597150"/>
+            <a:ext cx="11099800" cy="6286500"/>
+          </a:xfrm>
+          <a:prstGeom prst="rect">
+            <a:avLst/>
+          </a:prstGeom>
+        </p:spPr>
+        <p:txBody>
+          <a:bodyPr/>
+          <a:lstStyle/>
+          <a:p>
+            <a:pPr lvl="0" marL="293370" indent="-293370" defTabSz="385572">
+              <a:spcBef>
+                <a:spcPts val="2700"/>
+              </a:spcBef>
+              <a:defRPr sz="1800">
+                <a:solidFill>
+                  <a:srgbClr val="000000"/>
+                </a:solidFill>
+              </a:defRPr>
+            </a:pPr>
+            <a:r>
+              <a:rPr sz="2508">
+                <a:solidFill>
+                  <a:srgbClr val="FFFFFF"/>
+                </a:solidFill>
+              </a:rPr>
+              <a:t>Game Logic</a:t>
+            </a:r>
+            <a:endParaRPr sz="2508">
+              <a:solidFill>
+                <a:srgbClr val="FFFFFF"/>
+              </a:solidFill>
+            </a:endParaRPr>
+          </a:p>
+          <a:p>
+            <a:pPr lvl="1" marL="586740" indent="-293370" defTabSz="385572">
+              <a:spcBef>
+                <a:spcPts val="2700"/>
+              </a:spcBef>
+              <a:defRPr sz="1800">
+                <a:solidFill>
+                  <a:srgbClr val="000000"/>
+                </a:solidFill>
+              </a:defRPr>
+            </a:pPr>
+            <a:r>
+              <a:rPr sz="2508">
+                <a:solidFill>
+                  <a:srgbClr val="FFFFFF"/>
+                </a:solidFill>
+              </a:rPr>
+              <a:t>Creating “Join Game” function in the “GameStart” activity. The function makes a ParseQuery and checks the cat’s “isTaken” and “isAlive” fields. Programmed Toasts to prompt the user on the state of the game. </a:t>
+            </a:r>
+            <a:endParaRPr sz="2508">
+              <a:solidFill>
+                <a:srgbClr val="FFFFFF"/>
+              </a:solidFill>
+            </a:endParaRPr>
+          </a:p>
+          <a:p>
+            <a:pPr lvl="1" marL="586740" indent="-293370" defTabSz="385572">
+              <a:spcBef>
+                <a:spcPts val="2700"/>
+              </a:spcBef>
+              <a:defRPr sz="1800">
+                <a:solidFill>
+                  <a:srgbClr val="000000"/>
+                </a:solidFill>
+              </a:defRPr>
+            </a:pPr>
+            <a:r>
+              <a:rPr sz="2508">
+                <a:solidFill>
+                  <a:srgbClr val="FFFFFF"/>
+                </a:solidFill>
+              </a:rPr>
+              <a:t>Creating “Make a game” function in the “GameStart” activity. The function makes a ParseQuery to check the cat’s “isTaken” field. Programmed Toasts to prompt the user depending on the response from Parse. Programmed on success to display new buttons “Drop the Cat” and “Start the Game.”</a:t>
+            </a:r>
+            <a:endParaRPr sz="2508">
+              <a:solidFill>
+                <a:srgbClr val="FFFFFF"/>
+              </a:solidFill>
+            </a:endParaRPr>
+          </a:p>
+          <a:p>
+            <a:pPr lvl="1" marL="586740" indent="-293370" defTabSz="385572">
+              <a:spcBef>
+                <a:spcPts val="2700"/>
+              </a:spcBef>
+              <a:defRPr sz="1800">
+                <a:solidFill>
+                  <a:srgbClr val="000000"/>
+                </a:solidFill>
+              </a:defRPr>
+            </a:pPr>
+            <a:r>
+              <a:rPr sz="2508">
+                <a:solidFill>
+                  <a:srgbClr val="FFFFFF"/>
+                </a:solidFill>
+              </a:rPr>
+              <a:t>Creating “Drop the cat” function in the “GameStart” activity. The function makes a Parse submission to free the cat and resets the activity to default state. This button and the “Start the game” button are hidden.</a:t>
+            </a:r>
+          </a:p>
+        </p:txBody>
+      </p:sp>
+    </p:spTree>
+  </p:cSld>
+  <p:clrMapOvr>
+    <a:masterClrMapping/>
+  </p:clrMapOvr>
+  <p:transition spd="med" advClick="1"/>
+</p:sld>
+</file>
+
+<file path=ppt/slides/slide16.xml><?xml version="1.0" encoding="utf-8"?>
+<p:sld xmlns:a="http://schemas.openxmlformats.org/drawingml/2006/main" xmlns:r="http://schemas.openxmlformats.org/officeDocument/2006/relationships" xmlns:p="http://schemas.openxmlformats.org/presentationml/2006/main" showMasterSp="1" showMasterPhAnim="1">
+  <p:cSld>
+    <p:bg>
+      <p:bgPr>
+        <a:gradFill flip="none" rotWithShape="1">
+          <a:gsLst>
+            <a:gs pos="0">
+              <a:srgbClr val="0065C1"/>
+            </a:gs>
+            <a:gs pos="100000">
+              <a:srgbClr val="00397A"/>
+            </a:gs>
+          </a:gsLst>
+          <a:lin ang="5400000" scaled="0"/>
+        </a:gradFill>
+      </p:bgPr>
+    </p:bg>
+    <p:spTree>
+      <p:nvGrpSpPr>
+        <p:cNvPr id="1" name=""/>
+        <p:cNvGrpSpPr/>
+        <p:nvPr/>
+      </p:nvGrpSpPr>
+      <p:grpSpPr>
+        <a:xfrm>
+          <a:off x="0" y="0"/>
+          <a:ext cx="0" cy="0"/>
+          <a:chOff x="0" y="0"/>
+          <a:chExt cx="0" cy="0"/>
+        </a:xfrm>
+      </p:grpSpPr>
+      <p:sp>
+        <p:nvSpPr>
+          <p:cNvPr id="116" name="Shape 116"/>
+          <p:cNvSpPr/>
+          <p:nvPr>
+            <p:ph type="title"/>
+          </p:nvPr>
+        </p:nvSpPr>
+        <p:spPr>
+          <a:prstGeom prst="rect">
+            <a:avLst/>
+          </a:prstGeom>
+        </p:spPr>
+        <p:txBody>
+          <a:bodyPr/>
+          <a:lstStyle>
+            <a:lvl1pPr defTabSz="572516">
+              <a:defRPr sz="7840"/>
+            </a:lvl1pPr>
+          </a:lstStyle>
+          <a:p>
+            <a:pPr lvl="0">
+              <a:defRPr sz="1800">
+                <a:solidFill>
+                  <a:srgbClr val="000000"/>
+                </a:solidFill>
+              </a:defRPr>
+            </a:pPr>
+            <a:r>
+              <a:rPr sz="7840">
+                <a:solidFill>
+                  <a:srgbClr val="FFFFFF"/>
+                </a:solidFill>
+              </a:rPr>
+              <a:t>Jonathan’s Contributions</a:t>
+            </a:r>
+          </a:p>
+        </p:txBody>
+      </p:sp>
+      <p:sp>
+        <p:nvSpPr>
+          <p:cNvPr id="117" name="Shape 117"/>
+          <p:cNvSpPr/>
+          <p:nvPr>
+            <p:ph type="body" idx="1"/>
+          </p:nvPr>
+        </p:nvSpPr>
+        <p:spPr>
+          <a:xfrm>
+            <a:off x="952500" y="2597150"/>
+            <a:ext cx="11099800" cy="6286500"/>
+          </a:xfrm>
+          <a:prstGeom prst="rect">
+            <a:avLst/>
+          </a:prstGeom>
+        </p:spPr>
+        <p:txBody>
+          <a:bodyPr/>
+          <a:lstStyle/>
+          <a:p>
+            <a:pPr lvl="0" marL="262254" indent="-262254" defTabSz="344677">
+              <a:spcBef>
+                <a:spcPts val="2400"/>
+              </a:spcBef>
+              <a:defRPr sz="1800">
+                <a:solidFill>
+                  <a:srgbClr val="000000"/>
+                </a:solidFill>
+              </a:defRPr>
+            </a:pPr>
+            <a:r>
+              <a:rPr sz="2241">
+                <a:solidFill>
+                  <a:srgbClr val="FFFFFF"/>
+                </a:solidFill>
+              </a:rPr>
+              <a:t>Game Logic</a:t>
+            </a:r>
+            <a:endParaRPr sz="2241">
+              <a:solidFill>
+                <a:srgbClr val="FFFFFF"/>
+              </a:solidFill>
+            </a:endParaRPr>
+          </a:p>
+          <a:p>
+            <a:pPr lvl="1" marL="524509" indent="-262254" defTabSz="344677">
+              <a:spcBef>
+                <a:spcPts val="2400"/>
+              </a:spcBef>
+              <a:defRPr sz="1800">
+                <a:solidFill>
+                  <a:srgbClr val="000000"/>
+                </a:solidFill>
+              </a:defRPr>
+            </a:pPr>
+            <a:r>
+              <a:rPr sz="2241">
+                <a:solidFill>
+                  <a:srgbClr val="FFFFFF"/>
+                </a:solidFill>
+              </a:rPr>
+              <a:t>Creating “Start the Game” function in the “GameStart” activity. The function makes a Parse submission and sets the cat’s “isAlive” to true so that mice cannot join the game once the game has started. Success will start the “HunttheTrojan” activity. </a:t>
+            </a:r>
+            <a:endParaRPr sz="2241">
+              <a:solidFill>
+                <a:srgbClr val="FFFFFF"/>
+              </a:solidFill>
+            </a:endParaRPr>
+          </a:p>
+          <a:p>
+            <a:pPr lvl="1" marL="524509" indent="-262254" defTabSz="344677">
+              <a:spcBef>
+                <a:spcPts val="2400"/>
+              </a:spcBef>
+              <a:defRPr sz="1800">
+                <a:solidFill>
+                  <a:srgbClr val="000000"/>
+                </a:solidFill>
+              </a:defRPr>
+            </a:pPr>
+            <a:r>
+              <a:rPr sz="2241">
+                <a:solidFill>
+                  <a:srgbClr val="FFFFFF"/>
+                </a:solidFill>
+              </a:rPr>
+              <a:t>Creating the functionality for MouseConnect in the “HunttheTrojan” activity. After a connection to the cat is made, a text displays that the Mouse has lost and prompts for any action on the screen. Any action will leaves the “HunttheTrojan” activity and returns to the “GameStart” activity. </a:t>
+            </a:r>
+            <a:endParaRPr sz="2241">
+              <a:solidFill>
+                <a:srgbClr val="FFFFFF"/>
+              </a:solidFill>
+            </a:endParaRPr>
+          </a:p>
+          <a:p>
+            <a:pPr lvl="1" marL="524509" indent="-262254" defTabSz="344677">
+              <a:spcBef>
+                <a:spcPts val="2400"/>
+              </a:spcBef>
+              <a:defRPr sz="1800">
+                <a:solidFill>
+                  <a:srgbClr val="000000"/>
+                </a:solidFill>
+              </a:defRPr>
+            </a:pPr>
+            <a:r>
+              <a:rPr sz="2241">
+                <a:solidFill>
+                  <a:srgbClr val="FFFFFF"/>
+                </a:solidFill>
+              </a:rPr>
+              <a:t>Creating the function CatConnect in the “HunttheTrojan” activity. Programmed so that after a mouse connects to the cat, the cat sets the ”isAlive” for the corresponding mouse to “false.”</a:t>
+            </a:r>
+            <a:endParaRPr sz="2241">
+              <a:solidFill>
+                <a:srgbClr val="FFFFFF"/>
+              </a:solidFill>
+            </a:endParaRPr>
+          </a:p>
+          <a:p>
+            <a:pPr lvl="1" marL="524509" indent="-262254" defTabSz="344677">
+              <a:spcBef>
+                <a:spcPts val="2400"/>
+              </a:spcBef>
+              <a:defRPr sz="1800">
+                <a:solidFill>
+                  <a:srgbClr val="000000"/>
+                </a:solidFill>
+              </a:defRPr>
+            </a:pPr>
+            <a:r>
+              <a:rPr sz="2241">
+                <a:solidFill>
+                  <a:srgbClr val="FFFFFF"/>
+                </a:solidFill>
+              </a:rPr>
+              <a:t>Creating the Timer clock in the “HunttheTrojan” activity. Programmed this clock to update a TextView and triggers a gameEnd when the Timer has timed out.</a:t>
+            </a:r>
+          </a:p>
+        </p:txBody>
+      </p:sp>
+    </p:spTree>
+  </p:cSld>
+  <p:clrMapOvr>
+    <a:masterClrMapping/>
+  </p:clrMapOvr>
+  <p:transition spd="med" advClick="1"/>
+</p:sld>
+</file>
+
+<file path=ppt/slides/slide17.xml><?xml version="1.0" encoding="utf-8"?>
+<p:sld xmlns:a="http://schemas.openxmlformats.org/drawingml/2006/main" xmlns:r="http://schemas.openxmlformats.org/officeDocument/2006/relationships" xmlns:p="http://schemas.openxmlformats.org/presentationml/2006/main" showMasterSp="1" showMasterPhAnim="1">
+  <p:cSld>
+    <p:bg>
+      <p:bgPr>
+        <a:gradFill flip="none" rotWithShape="1">
+          <a:gsLst>
+            <a:gs pos="0">
+              <a:srgbClr val="0065C1"/>
+            </a:gs>
+            <a:gs pos="100000">
+              <a:srgbClr val="00397A"/>
+            </a:gs>
+          </a:gsLst>
+          <a:lin ang="5400000" scaled="0"/>
+        </a:gradFill>
+      </p:bgPr>
+    </p:bg>
+    <p:spTree>
+      <p:nvGrpSpPr>
+        <p:cNvPr id="1" name=""/>
+        <p:cNvGrpSpPr/>
+        <p:nvPr/>
+      </p:nvGrpSpPr>
+      <p:grpSpPr>
+        <a:xfrm>
+          <a:off x="0" y="0"/>
+          <a:ext cx="0" cy="0"/>
+          <a:chOff x="0" y="0"/>
+          <a:chExt cx="0" cy="0"/>
+        </a:xfrm>
+      </p:grpSpPr>
+      <p:sp>
+        <p:nvSpPr>
+          <p:cNvPr id="119" name="Shape 119"/>
+          <p:cNvSpPr/>
+          <p:nvPr>
+            <p:ph type="title"/>
+          </p:nvPr>
+        </p:nvSpPr>
+        <p:spPr>
+          <a:prstGeom prst="rect">
+            <a:avLst/>
+          </a:prstGeom>
+        </p:spPr>
+        <p:txBody>
+          <a:bodyPr/>
+          <a:lstStyle>
+            <a:lvl1pPr defTabSz="572516">
+              <a:defRPr sz="7840"/>
+            </a:lvl1pPr>
+          </a:lstStyle>
+          <a:p>
+            <a:pPr lvl="0">
+              <a:defRPr sz="1800">
+                <a:solidFill>
+                  <a:srgbClr val="000000"/>
+                </a:solidFill>
+              </a:defRPr>
+            </a:pPr>
+            <a:r>
+              <a:rPr sz="7840">
+                <a:solidFill>
+                  <a:srgbClr val="FFFFFF"/>
+                </a:solidFill>
+              </a:rPr>
+              <a:t>Jonathan’s Contributions</a:t>
+            </a:r>
+          </a:p>
+        </p:txBody>
+      </p:sp>
+      <p:sp>
+        <p:nvSpPr>
+          <p:cNvPr id="120" name="Shape 120"/>
+          <p:cNvSpPr/>
+          <p:nvPr>
+            <p:ph type="body" idx="1"/>
+          </p:nvPr>
+        </p:nvSpPr>
+        <p:spPr>
+          <a:xfrm>
+            <a:off x="952500" y="2597150"/>
+            <a:ext cx="11099800" cy="6286500"/>
+          </a:xfrm>
+          <a:prstGeom prst="rect">
+            <a:avLst/>
+          </a:prstGeom>
+        </p:spPr>
+        <p:txBody>
+          <a:bodyPr/>
+          <a:lstStyle/>
+          <a:p>
+            <a:pPr lvl="0" marL="431165" indent="-431165" defTabSz="566674">
+              <a:spcBef>
+                <a:spcPts val="4000"/>
+              </a:spcBef>
+              <a:defRPr sz="1800">
+                <a:solidFill>
+                  <a:srgbClr val="000000"/>
+                </a:solidFill>
+              </a:defRPr>
+            </a:pPr>
+            <a:r>
+              <a:rPr sz="3686">
+                <a:solidFill>
+                  <a:srgbClr val="FFFFFF"/>
+                </a:solidFill>
+              </a:rPr>
+              <a:t>Game Logic</a:t>
+            </a:r>
+            <a:endParaRPr sz="3686">
+              <a:solidFill>
+                <a:srgbClr val="FFFFFF"/>
+              </a:solidFill>
+            </a:endParaRPr>
+          </a:p>
+          <a:p>
+            <a:pPr lvl="1" marL="862330" indent="-431165" defTabSz="566674">
+              <a:spcBef>
+                <a:spcPts val="4000"/>
+              </a:spcBef>
+              <a:defRPr sz="1800">
+                <a:solidFill>
+                  <a:srgbClr val="000000"/>
+                </a:solidFill>
+              </a:defRPr>
+            </a:pPr>
+            <a:r>
+              <a:rPr sz="3686">
+                <a:solidFill>
+                  <a:srgbClr val="FFFFFF"/>
+                </a:solidFill>
+              </a:rPr>
+              <a:t>Creating the MinutePing function in the “HunttheTrojan” activity. Programmed a Timer to act as a cool down. The button cannot be clicked until the timer has finished. </a:t>
+            </a:r>
+            <a:endParaRPr sz="3686">
+              <a:solidFill>
+                <a:srgbClr val="FFFFFF"/>
+              </a:solidFill>
+            </a:endParaRPr>
+          </a:p>
+          <a:p>
+            <a:pPr lvl="1" marL="862330" indent="-431165" defTabSz="566674">
+              <a:spcBef>
+                <a:spcPts val="4000"/>
+              </a:spcBef>
+              <a:defRPr sz="1800">
+                <a:solidFill>
+                  <a:srgbClr val="000000"/>
+                </a:solidFill>
+              </a:defRPr>
+            </a:pPr>
+            <a:r>
+              <a:rPr sz="3686">
+                <a:solidFill>
+                  <a:srgbClr val="FFFFFF"/>
+                </a:solidFill>
+              </a:rPr>
+              <a:t>Creating SuperPing function in the “HunttheTrojan” activity. Disabled for mice; has same “cooldown” functionality as MinutePing, but runs at a much shorter duration. </a:t>
+            </a:r>
+          </a:p>
+        </p:txBody>
+      </p:sp>
+    </p:spTree>
+  </p:cSld>
+  <p:clrMapOvr>
+    <a:masterClrMapping/>
+  </p:clrMapOvr>
+  <p:transition spd="med" advClick="1"/>
+</p:sld>
+</file>
+
+<file path=ppt/slides/slide18.xml><?xml version="1.0" encoding="utf-8"?>
+<p:sld xmlns:a="http://schemas.openxmlformats.org/drawingml/2006/main" xmlns:r="http://schemas.openxmlformats.org/officeDocument/2006/relationships" xmlns:p="http://schemas.openxmlformats.org/presentationml/2006/main" showMasterSp="1" showMasterPhAnim="1">
+  <p:cSld>
+    <p:bg>
+      <p:bgPr>
+        <a:gradFill flip="none" rotWithShape="1">
+          <a:gsLst>
+            <a:gs pos="0">
+              <a:srgbClr val="0065C1"/>
+            </a:gs>
+            <a:gs pos="100000">
+              <a:srgbClr val="00397A"/>
+            </a:gs>
+          </a:gsLst>
+          <a:lin ang="5400000" scaled="0"/>
+        </a:gradFill>
+      </p:bgPr>
+    </p:bg>
+    <p:spTree>
+      <p:nvGrpSpPr>
+        <p:cNvPr id="1" name=""/>
+        <p:cNvGrpSpPr/>
+        <p:nvPr/>
+      </p:nvGrpSpPr>
+      <p:grpSpPr>
+        <a:xfrm>
+          <a:off x="0" y="0"/>
+          <a:ext cx="0" cy="0"/>
+          <a:chOff x="0" y="0"/>
+          <a:chExt cx="0" cy="0"/>
+        </a:xfrm>
+      </p:grpSpPr>
+      <p:sp>
+        <p:nvSpPr>
+          <p:cNvPr id="122" name="Shape 122"/>
+          <p:cNvSpPr/>
+          <p:nvPr>
+            <p:ph type="title"/>
+          </p:nvPr>
+        </p:nvSpPr>
+        <p:spPr>
+          <a:xfrm>
+            <a:off x="1468881" y="607211"/>
+            <a:ext cx="10464801" cy="1422401"/>
+          </a:xfrm>
+          <a:prstGeom prst="rect">
+            <a:avLst/>
+          </a:prstGeom>
+        </p:spPr>
+        <p:txBody>
+          <a:bodyPr/>
+          <a:lstStyle/>
+          <a:p>
+            <a:pPr lvl="0">
+              <a:defRPr sz="1800">
+                <a:solidFill>
+                  <a:srgbClr val="000000"/>
+                </a:solidFill>
+              </a:defRPr>
+            </a:pPr>
+            <a:r>
+              <a:rPr sz="8000">
+                <a:solidFill>
+                  <a:srgbClr val="FFFFFF"/>
+                </a:solidFill>
+              </a:rPr>
+              <a:t>Screenshots - Start</a:t>
+            </a:r>
+          </a:p>
+        </p:txBody>
+      </p:sp>
+      <p:pic>
+        <p:nvPicPr>
+          <p:cNvPr id="123" name="HuntTheTrojans1.jpg"/>
+          <p:cNvPicPr/>
+          <p:nvPr/>
+        </p:nvPicPr>
+        <p:blipFill>
+          <a:blip r:embed="rId2">
+            <a:extLst/>
+          </a:blip>
+          <a:stretch>
+            <a:fillRect/>
+          </a:stretch>
+        </p:blipFill>
+        <p:spPr>
+          <a:xfrm>
+            <a:off x="2115283" y="2559781"/>
+            <a:ext cx="3731251" cy="6633335"/>
+          </a:xfrm>
+          <a:prstGeom prst="rect">
+            <a:avLst/>
+          </a:prstGeom>
+          <a:ln w="12700">
+            <a:miter lim="400000"/>
+          </a:ln>
+        </p:spPr>
+      </p:pic>
+      <p:pic>
+        <p:nvPicPr>
+          <p:cNvPr id="124" name="HuntTheTrojans2.jpg"/>
+          <p:cNvPicPr/>
+          <p:nvPr/>
+        </p:nvPicPr>
+        <p:blipFill>
+          <a:blip r:embed="rId3">
+            <a:extLst/>
+          </a:blip>
+          <a:stretch>
+            <a:fillRect/>
+          </a:stretch>
+        </p:blipFill>
+        <p:spPr>
+          <a:xfrm>
+            <a:off x="7594005" y="2559782"/>
+            <a:ext cx="3731251" cy="6633334"/>
+          </a:xfrm>
+          <a:prstGeom prst="rect">
+            <a:avLst/>
+          </a:prstGeom>
+          <a:ln w="12700">
+            <a:miter lim="400000"/>
+          </a:ln>
+        </p:spPr>
+      </p:pic>
+    </p:spTree>
+  </p:cSld>
+  <p:clrMapOvr>
+    <a:masterClrMapping/>
+  </p:clrMapOvr>
+  <p:transition spd="med" advClick="1"/>
+</p:sld>
+</file>
+
+<file path=ppt/slides/slide19.xml><?xml version="1.0" encoding="utf-8"?>
+<p:sld xmlns:a="http://schemas.openxmlformats.org/drawingml/2006/main" xmlns:r="http://schemas.openxmlformats.org/officeDocument/2006/relationships" xmlns:p="http://schemas.openxmlformats.org/presentationml/2006/main" showMasterSp="1" showMasterPhAnim="1">
+  <p:cSld>
+    <p:bg>
+      <p:bgPr>
+        <a:gradFill flip="none" rotWithShape="1">
+          <a:gsLst>
+            <a:gs pos="0">
+              <a:srgbClr val="0065C1"/>
+            </a:gs>
+            <a:gs pos="100000">
+              <a:srgbClr val="00397A"/>
+            </a:gs>
+          </a:gsLst>
+          <a:lin ang="5400000" scaled="0"/>
+        </a:gradFill>
+      </p:bgPr>
+    </p:bg>
+    <p:spTree>
+      <p:nvGrpSpPr>
+        <p:cNvPr id="1" name=""/>
+        <p:cNvGrpSpPr/>
+        <p:nvPr/>
+      </p:nvGrpSpPr>
+      <p:grpSpPr>
+        <a:xfrm>
+          <a:off x="0" y="0"/>
+          <a:ext cx="0" cy="0"/>
+          <a:chOff x="0" y="0"/>
+          <a:chExt cx="0" cy="0"/>
+        </a:xfrm>
+      </p:grpSpPr>
+      <p:sp>
+        <p:nvSpPr>
+          <p:cNvPr id="126" name="Shape 126"/>
+          <p:cNvSpPr/>
+          <p:nvPr>
+            <p:ph type="title"/>
+          </p:nvPr>
+        </p:nvSpPr>
+        <p:spPr>
+          <a:xfrm>
+            <a:off x="1468881" y="607211"/>
+            <a:ext cx="10464801" cy="1422401"/>
+          </a:xfrm>
+          <a:prstGeom prst="rect">
+            <a:avLst/>
+          </a:prstGeom>
+        </p:spPr>
+        <p:txBody>
+          <a:bodyPr/>
+          <a:lstStyle/>
+          <a:p>
+            <a:pPr lvl="0">
+              <a:defRPr sz="1800">
+                <a:solidFill>
+                  <a:srgbClr val="000000"/>
+                </a:solidFill>
+              </a:defRPr>
+            </a:pPr>
+            <a:r>
+              <a:rPr sz="8000">
+                <a:solidFill>
+                  <a:srgbClr val="FFFFFF"/>
+                </a:solidFill>
+              </a:rPr>
+              <a:t>Screenshots - Map</a:t>
+            </a:r>
+          </a:p>
+        </p:txBody>
+      </p:sp>
+      <p:pic>
+        <p:nvPicPr>
+          <p:cNvPr id="127" name="HuntTheTrojans3.jpg"/>
+          <p:cNvPicPr/>
+          <p:nvPr/>
+        </p:nvPicPr>
+        <p:blipFill>
+          <a:blip r:embed="rId2">
+            <a:extLst/>
+          </a:blip>
+          <a:stretch>
+            <a:fillRect/>
+          </a:stretch>
+        </p:blipFill>
+        <p:spPr>
+          <a:xfrm>
+            <a:off x="2186227" y="2653535"/>
+            <a:ext cx="3729365" cy="6629982"/>
+          </a:xfrm>
+          <a:prstGeom prst="rect">
+            <a:avLst/>
+          </a:prstGeom>
+          <a:ln w="12700">
+            <a:miter lim="400000"/>
+          </a:ln>
+        </p:spPr>
+      </p:pic>
+      <p:pic>
+        <p:nvPicPr>
+          <p:cNvPr id="128" name="HuntTheTrojans4.jpg"/>
+          <p:cNvPicPr/>
+          <p:nvPr/>
+        </p:nvPicPr>
+        <p:blipFill>
+          <a:blip r:embed="rId3">
+            <a:extLst/>
+          </a:blip>
+          <a:stretch>
+            <a:fillRect/>
+          </a:stretch>
+        </p:blipFill>
+        <p:spPr>
+          <a:xfrm>
+            <a:off x="7583630" y="2653535"/>
+            <a:ext cx="3729365" cy="6629982"/>
+          </a:xfrm>
+          <a:prstGeom prst="rect">
+            <a:avLst/>
+          </a:prstGeom>
+          <a:ln w="12700">
+            <a:miter lim="400000"/>
+          </a:ln>
+        </p:spPr>
+      </p:pic>
     </p:spTree>
   </p:cSld>
   <p:clrMapOvr>
@@ -3857,6 +5874,117 @@
                 </a:solidFill>
               </a:rPr>
               <a:t>Wi-Fi, Cellular Data, Bluetooth</a:t>
+            </a:r>
+          </a:p>
+        </p:txBody>
+      </p:sp>
+    </p:spTree>
+  </p:cSld>
+  <p:clrMapOvr>
+    <a:masterClrMapping/>
+  </p:clrMapOvr>
+  <p:transition spd="med" advClick="1"/>
+</p:sld>
+</file>
+
+<file path=ppt/slides/slide20.xml><?xml version="1.0" encoding="utf-8"?>
+<p:sld xmlns:a="http://schemas.openxmlformats.org/drawingml/2006/main" xmlns:r="http://schemas.openxmlformats.org/officeDocument/2006/relationships" xmlns:p="http://schemas.openxmlformats.org/presentationml/2006/main" showMasterSp="1" showMasterPhAnim="1">
+  <p:cSld>
+    <p:bg>
+      <p:bgPr>
+        <a:gradFill flip="none" rotWithShape="1">
+          <a:gsLst>
+            <a:gs pos="0">
+              <a:srgbClr val="0065C1"/>
+            </a:gs>
+            <a:gs pos="100000">
+              <a:srgbClr val="00397A"/>
+            </a:gs>
+          </a:gsLst>
+          <a:lin ang="5400000" scaled="0"/>
+        </a:gradFill>
+      </p:bgPr>
+    </p:bg>
+    <p:spTree>
+      <p:nvGrpSpPr>
+        <p:cNvPr id="1" name=""/>
+        <p:cNvGrpSpPr/>
+        <p:nvPr/>
+      </p:nvGrpSpPr>
+      <p:grpSpPr>
+        <a:xfrm>
+          <a:off x="0" y="0"/>
+          <a:ext cx="0" cy="0"/>
+          <a:chOff x="0" y="0"/>
+          <a:chExt cx="0" cy="0"/>
+        </a:xfrm>
+      </p:grpSpPr>
+      <p:sp>
+        <p:nvSpPr>
+          <p:cNvPr id="130" name="Shape 130"/>
+          <p:cNvSpPr/>
+          <p:nvPr>
+            <p:ph type="title"/>
+          </p:nvPr>
+        </p:nvSpPr>
+        <p:spPr>
+          <a:prstGeom prst="rect">
+            <a:avLst/>
+          </a:prstGeom>
+        </p:spPr>
+        <p:txBody>
+          <a:bodyPr/>
+          <a:lstStyle/>
+          <a:p>
+            <a:pPr lvl="0">
+              <a:defRPr sz="1800">
+                <a:solidFill>
+                  <a:srgbClr val="000000"/>
+                </a:solidFill>
+              </a:defRPr>
+            </a:pPr>
+            <a:r>
+              <a:rPr sz="8000">
+                <a:solidFill>
+                  <a:srgbClr val="FFFFFF"/>
+                </a:solidFill>
+              </a:rPr>
+              <a:t>Q&amp;A</a:t>
+            </a:r>
+          </a:p>
+        </p:txBody>
+      </p:sp>
+      <p:sp>
+        <p:nvSpPr>
+          <p:cNvPr id="131" name="Shape 131"/>
+          <p:cNvSpPr/>
+          <p:nvPr>
+            <p:ph type="body" idx="1"/>
+          </p:nvPr>
+        </p:nvSpPr>
+        <p:spPr>
+          <a:prstGeom prst="rect">
+            <a:avLst/>
+          </a:prstGeom>
+        </p:spPr>
+        <p:txBody>
+          <a:bodyPr/>
+          <a:lstStyle/>
+          <a:p>
+            <a:pPr lvl="0">
+              <a:defRPr sz="1800">
+                <a:solidFill>
+                  <a:srgbClr val="000000"/>
+                </a:solidFill>
+              </a:defRPr>
+            </a:pPr>
+            <a:r>
+              <a:rPr sz="3200">
+                <a:solidFill>
+                  <a:srgbClr val="FFFFFF"/>
+                </a:solidFill>
+              </a:rPr>
+              <a:t>Thank you!</a:t>
             </a:r>
           </a:p>
         </p:txBody>
@@ -5714,10 +7842,6 @@
           </p:nvPr>
         </p:nvSpPr>
         <p:spPr>
-          <a:xfrm>
-            <a:off x="650238" y="118251"/>
-            <a:ext cx="11704324" cy="2144890"/>
-          </a:xfrm>
           <a:prstGeom prst="rect">
             <a:avLst/>
           </a:prstGeom>
@@ -5726,16 +7850,20 @@
           <a:bodyPr/>
           <a:lstStyle/>
           <a:p>
-            <a:pPr lvl="2">
-              <a:defRPr sz="1800"/>
-            </a:pPr>
-            <a:r>
-              <a:rPr sz="6200">
-                <a:solidFill>
-                  <a:srgbClr val="FFFFFF"/>
-                </a:solidFill>
-              </a:rPr>
-              <a:t>Ran’s Contribution</a:t>
+            <a:pPr lvl="0">
+              <a:defRPr sz="1800">
+                <a:solidFill>
+                  <a:srgbClr val="000000"/>
+                </a:solidFill>
+              </a:defRPr>
+            </a:pPr>
+            <a:r>
+              <a:rPr sz="8000">
+                <a:solidFill>
+                  <a:srgbClr val="FFFFFF"/>
+                </a:solidFill>
+              </a:rPr>
+              <a:t>Bluetooth</a:t>
             </a:r>
           </a:p>
         </p:txBody>
@@ -5757,313 +7885,28 @@
           <a:bodyPr/>
           <a:lstStyle/>
           <a:p>
-            <a:pPr lvl="0" marL="330040" indent="-330040" defTabSz="640079">
-              <a:spcBef>
-                <a:spcPts val="400"/>
-              </a:spcBef>
-              <a:defRPr sz="1800"/>
-            </a:pPr>
-            <a:r>
-              <a:rPr sz="3080">
-                <a:solidFill>
-                  <a:srgbClr val="FFFFFF"/>
-                </a:solidFill>
-                <a:latin typeface="+mn-lt"/>
-                <a:ea typeface="+mn-ea"/>
-                <a:cs typeface="+mn-cs"/>
-                <a:sym typeface="Helvetica Light"/>
-              </a:rPr>
-              <a:t>wrote the code that lets the app access the parse server.</a:t>
-            </a:r>
-            <a:endParaRPr sz="3080">
+            <a:pPr lvl="0">
+              <a:defRPr sz="1800">
+                <a:solidFill>
+                  <a:srgbClr val="000000"/>
+                </a:solidFill>
+              </a:defRPr>
+            </a:pPr>
+            <a:r>
+              <a:rPr sz="3800">
+                <a:solidFill>
+                  <a:srgbClr val="FFFFFF"/>
+                </a:solidFill>
+              </a:rPr>
+              <a:t>Bluetooth is used for a cat to capture a mouse. The cat is the master of the piconet, and all mice are slaves of the piconet. </a:t>
+            </a:r>
+            <a:endParaRPr sz="3800">
               <a:solidFill>
                 <a:srgbClr val="FFFFFF"/>
               </a:solidFill>
-              <a:latin typeface="+mn-lt"/>
-              <a:ea typeface="+mn-ea"/>
-              <a:cs typeface="+mn-cs"/>
-              <a:sym typeface="Helvetica Light"/>
             </a:endParaRPr>
           </a:p>
           <a:p>
-            <a:pPr lvl="0" marL="330040" indent="-330040" defTabSz="640079">
-              <a:spcBef>
-                <a:spcPts val="400"/>
-              </a:spcBef>
-              <a:defRPr sz="1800"/>
-            </a:pPr>
-            <a:r>
-              <a:rPr sz="3080">
-                <a:solidFill>
-                  <a:srgbClr val="FFFFFF"/>
-                </a:solidFill>
-                <a:latin typeface="+mn-lt"/>
-                <a:ea typeface="+mn-ea"/>
-                <a:cs typeface="+mn-cs"/>
-                <a:sym typeface="Helvetica Light"/>
-              </a:rPr>
-              <a:t>organized the server inputs and defined the entries for the table</a:t>
-            </a:r>
-            <a:endParaRPr sz="3080">
-              <a:solidFill>
-                <a:srgbClr val="FFFFFF"/>
-              </a:solidFill>
-              <a:latin typeface="+mn-lt"/>
-              <a:ea typeface="+mn-ea"/>
-              <a:cs typeface="+mn-cs"/>
-              <a:sym typeface="Helvetica Light"/>
-            </a:endParaRPr>
-          </a:p>
-          <a:p>
-            <a:pPr lvl="0" marL="330040" indent="-330040" defTabSz="640079">
-              <a:spcBef>
-                <a:spcPts val="400"/>
-              </a:spcBef>
-              <a:defRPr sz="1800"/>
-            </a:pPr>
-            <a:r>
-              <a:rPr sz="3080">
-                <a:solidFill>
-                  <a:srgbClr val="FFFFFF"/>
-                </a:solidFill>
-                <a:latin typeface="+mn-lt"/>
-                <a:ea typeface="+mn-ea"/>
-                <a:cs typeface="+mn-cs"/>
-                <a:sym typeface="Helvetica Light"/>
-              </a:rPr>
-              <a:t>worked on the code for part of the game logic, different activity displays, layout of the app, and integrating the server code into the rest of the app.</a:t>
-            </a:r>
-            <a:endParaRPr sz="3080">
-              <a:solidFill>
-                <a:srgbClr val="FFFFFF"/>
-              </a:solidFill>
-              <a:latin typeface="+mn-lt"/>
-              <a:ea typeface="+mn-ea"/>
-              <a:cs typeface="+mn-cs"/>
-              <a:sym typeface="Helvetica Light"/>
-            </a:endParaRPr>
-          </a:p>
-          <a:p>
-            <a:pPr lvl="0" marL="330040" indent="-330040" defTabSz="640079">
-              <a:spcBef>
-                <a:spcPts val="400"/>
-              </a:spcBef>
-              <a:defRPr sz="1800"/>
-            </a:pPr>
-            <a:r>
-              <a:rPr sz="3080">
-                <a:solidFill>
-                  <a:srgbClr val="FFFFFF"/>
-                </a:solidFill>
-                <a:latin typeface="+mn-lt"/>
-                <a:ea typeface="+mn-ea"/>
-                <a:cs typeface="+mn-cs"/>
-                <a:sym typeface="Helvetica Light"/>
-              </a:rPr>
-              <a:t>For the map:</a:t>
-            </a:r>
-            <a:endParaRPr sz="3080">
-              <a:solidFill>
-                <a:srgbClr val="FFFFFF"/>
-              </a:solidFill>
-              <a:latin typeface="+mn-lt"/>
-              <a:ea typeface="+mn-ea"/>
-              <a:cs typeface="+mn-cs"/>
-              <a:sym typeface="Helvetica Light"/>
-            </a:endParaRPr>
-          </a:p>
-          <a:p>
-            <a:pPr lvl="2" marL="970120" indent="-330040" defTabSz="640079">
-              <a:spcBef>
-                <a:spcPts val="400"/>
-              </a:spcBef>
-              <a:defRPr sz="1800"/>
-            </a:pPr>
-            <a:r>
-              <a:rPr sz="3080">
-                <a:solidFill>
-                  <a:srgbClr val="FFFFFF"/>
-                </a:solidFill>
-                <a:latin typeface="+mn-lt"/>
-                <a:ea typeface="+mn-ea"/>
-                <a:cs typeface="+mn-cs"/>
-                <a:sym typeface="Helvetica Light"/>
-              </a:rPr>
-              <a:t>upload and download of location data that is currently allowed to be viewed</a:t>
-            </a:r>
-            <a:endParaRPr sz="3080">
-              <a:solidFill>
-                <a:srgbClr val="FFFFFF"/>
-              </a:solidFill>
-              <a:latin typeface="+mn-lt"/>
-              <a:ea typeface="+mn-ea"/>
-              <a:cs typeface="+mn-cs"/>
-              <a:sym typeface="Helvetica Light"/>
-            </a:endParaRPr>
-          </a:p>
-          <a:p>
-            <a:pPr lvl="0" marL="330040" indent="-330040" defTabSz="640079">
-              <a:spcBef>
-                <a:spcPts val="400"/>
-              </a:spcBef>
-              <a:defRPr sz="1800"/>
-            </a:pPr>
-            <a:r>
-              <a:rPr sz="3080">
-                <a:solidFill>
-                  <a:srgbClr val="FFFFFF"/>
-                </a:solidFill>
-                <a:latin typeface="+mn-lt"/>
-                <a:ea typeface="+mn-ea"/>
-                <a:cs typeface="+mn-cs"/>
-                <a:sym typeface="Helvetica Light"/>
-              </a:rPr>
-              <a:t>For the game logic:</a:t>
-            </a:r>
-            <a:endParaRPr sz="3080">
-              <a:solidFill>
-                <a:srgbClr val="FFFFFF"/>
-              </a:solidFill>
-              <a:latin typeface="+mn-lt"/>
-              <a:ea typeface="+mn-ea"/>
-              <a:cs typeface="+mn-cs"/>
-              <a:sym typeface="Helvetica Light"/>
-            </a:endParaRPr>
-          </a:p>
-          <a:p>
-            <a:pPr lvl="2" marL="970120" indent="-330040" defTabSz="640079">
-              <a:spcBef>
-                <a:spcPts val="400"/>
-              </a:spcBef>
-              <a:defRPr sz="1800"/>
-            </a:pPr>
-            <a:r>
-              <a:rPr sz="3080">
-                <a:solidFill>
-                  <a:srgbClr val="FFFFFF"/>
-                </a:solidFill>
-                <a:latin typeface="+mn-lt"/>
-                <a:ea typeface="+mn-ea"/>
-                <a:cs typeface="+mn-cs"/>
-                <a:sym typeface="Helvetica Light"/>
-              </a:rPr>
-              <a:t>upload and check conditions on the server to see if we can:</a:t>
-            </a:r>
-            <a:endParaRPr sz="3080">
-              <a:solidFill>
-                <a:srgbClr val="FFFFFF"/>
-              </a:solidFill>
-              <a:latin typeface="+mn-lt"/>
-              <a:ea typeface="+mn-ea"/>
-              <a:cs typeface="+mn-cs"/>
-              <a:sym typeface="Helvetica Light"/>
-            </a:endParaRPr>
-          </a:p>
-          <a:p>
-            <a:pPr lvl="4" marL="1610200" indent="-330040" defTabSz="640079">
-              <a:spcBef>
-                <a:spcPts val="400"/>
-              </a:spcBef>
-              <a:buChar char="•"/>
-              <a:defRPr sz="1800"/>
-            </a:pPr>
-            <a:r>
-              <a:rPr sz="3080">
-                <a:solidFill>
-                  <a:srgbClr val="FFFFFF"/>
-                </a:solidFill>
-                <a:latin typeface="+mn-lt"/>
-                <a:ea typeface="+mn-ea"/>
-                <a:cs typeface="+mn-cs"/>
-                <a:sym typeface="Helvetica Light"/>
-              </a:rPr>
-              <a:t>make a game</a:t>
-            </a:r>
-            <a:endParaRPr sz="3080">
-              <a:solidFill>
-                <a:srgbClr val="FFFFFF"/>
-              </a:solidFill>
-              <a:latin typeface="+mn-lt"/>
-              <a:ea typeface="+mn-ea"/>
-              <a:cs typeface="+mn-cs"/>
-              <a:sym typeface="Helvetica Light"/>
-            </a:endParaRPr>
-          </a:p>
-          <a:p>
-            <a:pPr lvl="4" marL="1610200" indent="-330040" defTabSz="640079">
-              <a:spcBef>
-                <a:spcPts val="400"/>
-              </a:spcBef>
-              <a:buChar char="•"/>
-              <a:defRPr sz="1800"/>
-            </a:pPr>
-            <a:r>
-              <a:rPr sz="3080">
-                <a:solidFill>
-                  <a:srgbClr val="FFFFFF"/>
-                </a:solidFill>
-                <a:latin typeface="+mn-lt"/>
-                <a:ea typeface="+mn-ea"/>
-                <a:cs typeface="+mn-cs"/>
-                <a:sym typeface="Helvetica Light"/>
-              </a:rPr>
-              <a:t>join a game</a:t>
-            </a:r>
-            <a:endParaRPr sz="3080">
-              <a:solidFill>
-                <a:srgbClr val="FFFFFF"/>
-              </a:solidFill>
-              <a:latin typeface="+mn-lt"/>
-              <a:ea typeface="+mn-ea"/>
-              <a:cs typeface="+mn-cs"/>
-              <a:sym typeface="Helvetica Light"/>
-            </a:endParaRPr>
-          </a:p>
-          <a:p>
-            <a:pPr lvl="4" marL="1610200" indent="-330040" defTabSz="640079">
-              <a:spcBef>
-                <a:spcPts val="400"/>
-              </a:spcBef>
-              <a:buChar char="•"/>
-              <a:defRPr sz="1800"/>
-            </a:pPr>
-            <a:r>
-              <a:rPr sz="3080">
-                <a:solidFill>
-                  <a:srgbClr val="FFFFFF"/>
-                </a:solidFill>
-                <a:latin typeface="+mn-lt"/>
-                <a:ea typeface="+mn-ea"/>
-                <a:cs typeface="+mn-cs"/>
-                <a:sym typeface="Helvetica Light"/>
-              </a:rPr>
-              <a:t>won/lost a game</a:t>
-            </a:r>
-          </a:p>
-        </p:txBody>
-      </p:sp>
-      <p:sp>
-        <p:nvSpPr>
-          <p:cNvPr id="85" name="Shape 85"/>
-          <p:cNvSpPr/>
-          <p:nvPr>
-            <p:ph type="sldNum" sz="quarter" idx="2"/>
-          </p:nvPr>
-        </p:nvSpPr>
-        <p:spPr>
-          <a:prstGeom prst="rect">
-            <a:avLst/>
-          </a:prstGeom>
-          <a:extLst>
-            <a:ext uri="{C572A759-6A51-4108-AA02-DFA0A04FC94B}">
-              <ma14:wrappingTextBoxFlag xmlns:ma14="http://schemas.microsoft.com/office/mac/drawingml/2011/main" val="1"/>
-            </a:ext>
-          </a:extLst>
-        </p:spPr>
-        <p:txBody>
-          <a:bodyPr/>
-          <a:lstStyle/>
-          <a:p>
             <a:pPr lvl="0">
               <a:defRPr sz="1800">
                 <a:solidFill>
@@ -6071,13 +7914,34 @@
                 </a:solidFill>
               </a:defRPr>
             </a:pPr>
-            <a:fld id="{86CB4B4D-7CA3-9044-876B-883B54F8677D}" type="slidenum">
-              <a:rPr sz="1600">
-                <a:solidFill>
-                  <a:srgbClr val="888888"/>
-                </a:solidFill>
-              </a:rPr>
-            </a:fld>
+            <a:r>
+              <a:rPr sz="3800">
+                <a:solidFill>
+                  <a:srgbClr val="FFFFFF"/>
+                </a:solidFill>
+              </a:rPr>
+              <a:t>This Bluetooth capture is achieved through </a:t>
+            </a:r>
+            <a:r>
+              <a:rPr b="1" sz="3800">
+                <a:solidFill>
+                  <a:srgbClr val="FFFFFF"/>
+                </a:solidFill>
+                <a:latin typeface="Helvetica"/>
+                <a:ea typeface="Helvetica"/>
+                <a:cs typeface="Helvetica"/>
+                <a:sym typeface="Helvetica"/>
+              </a:rPr>
+              <a:t>AsyncTask</a:t>
+            </a:r>
+            <a:r>
+              <a:rPr sz="3800">
+                <a:solidFill>
+                  <a:srgbClr val="FFFFFF"/>
+                </a:solidFill>
+              </a:rPr>
+              <a:t>. </a:t>
+            </a:r>
           </a:p>
         </p:txBody>
       </p:sp>
@@ -6124,13 +7988,17 @@
       </p:grpSpPr>
       <p:sp>
         <p:nvSpPr>
-          <p:cNvPr id="87" name="Shape 87"/>
+          <p:cNvPr id="86" name="Shape 86"/>
           <p:cNvSpPr/>
           <p:nvPr>
             <p:ph type="title"/>
           </p:nvPr>
         </p:nvSpPr>
         <p:spPr>
+          <a:xfrm>
+            <a:off x="952500" y="266700"/>
+            <a:ext cx="11099800" cy="2159000"/>
+          </a:xfrm>
           <a:prstGeom prst="rect">
             <a:avLst/>
           </a:prstGeom>
@@ -6152,14 +8020,14 @@
                   <a:srgbClr val="FFFFFF"/>
                 </a:solidFill>
               </a:rPr>
-              <a:t>Nero’s Contribution</a:t>
+              <a:t>AsyncTask</a:t>
             </a:r>
           </a:p>
         </p:txBody>
       </p:sp>
       <p:sp>
         <p:nvSpPr>
-          <p:cNvPr id="88" name="Shape 88"/>
+          <p:cNvPr id="87" name="Shape 87"/>
           <p:cNvSpPr/>
           <p:nvPr>
             <p:ph type="body" idx="1"/>
@@ -6174,9 +8042,9 @@
           <a:bodyPr/>
           <a:lstStyle/>
           <a:p>
-            <a:pPr lvl="0" marL="324485" indent="-324485" defTabSz="426466">
+            <a:pPr lvl="0" marL="308609" indent="-308609" defTabSz="525779">
               <a:spcBef>
-                <a:spcPts val="3000"/>
+                <a:spcPts val="2800"/>
               </a:spcBef>
               <a:defRPr sz="1800">
                 <a:solidFill>
@@ -6185,23 +8053,23 @@
               </a:defRPr>
             </a:pPr>
             <a:r>
-              <a:rPr sz="2774">
-                <a:solidFill>
-                  <a:srgbClr val="FFFFFF"/>
-                </a:solidFill>
-              </a:rPr>
-              <a:t>Use the Google Map API to create a map in the app</a:t>
-            </a:r>
-            <a:endParaRPr sz="2774">
+              <a:rPr sz="2520">
+                <a:solidFill>
+                  <a:srgbClr val="FFFFFF"/>
+                </a:solidFill>
+              </a:rPr>
+              <a:t>AsyncTask will run in the background. It will constantly execute the thread’s run() function.</a:t>
+            </a:r>
+            <a:endParaRPr sz="2520">
               <a:solidFill>
                 <a:srgbClr val="FFFFFF"/>
               </a:solidFill>
             </a:endParaRPr>
           </a:p>
           <a:p>
-            <a:pPr lvl="1" marL="648970" indent="-324485" defTabSz="426466">
+            <a:pPr lvl="1" marL="617219" indent="-308609" defTabSz="525779">
               <a:spcBef>
-                <a:spcPts val="3000"/>
+                <a:spcPts val="2800"/>
               </a:spcBef>
               <a:defRPr sz="1800">
                 <a:solidFill>
@@ -6210,23 +8078,23 @@
               </a:defRPr>
             </a:pPr>
             <a:r>
-              <a:rPr sz="2774">
-                <a:solidFill>
-                  <a:srgbClr val="FFFFFF"/>
-                </a:solidFill>
-              </a:rPr>
-              <a:t>Acquire the device’s current location through Wi-Fi or GPS</a:t>
-            </a:r>
-            <a:endParaRPr sz="2774">
+              <a:rPr sz="2520">
+                <a:solidFill>
+                  <a:srgbClr val="FFFFFF"/>
+                </a:solidFill>
+              </a:rPr>
+              <a:t>There are 3 asynchronous tasks in our code.</a:t>
+            </a:r>
+            <a:endParaRPr sz="2520">
               <a:solidFill>
                 <a:srgbClr val="FFFFFF"/>
               </a:solidFill>
             </a:endParaRPr>
           </a:p>
           <a:p>
-            <a:pPr lvl="1" marL="648970" indent="-324485" defTabSz="426466">
+            <a:pPr lvl="1" marL="617219" indent="-308609" defTabSz="525779">
               <a:spcBef>
-                <a:spcPts val="3000"/>
+                <a:spcPts val="2800"/>
               </a:spcBef>
               <a:defRPr sz="1800">
                 <a:solidFill>
@@ -6235,23 +8103,23 @@
               </a:defRPr>
             </a:pPr>
             <a:r>
-              <a:rPr sz="2774">
-                <a:solidFill>
-                  <a:srgbClr val="FFFFFF"/>
-                </a:solidFill>
-              </a:rPr>
-              <a:t>Update current location through a location listener</a:t>
-            </a:r>
-            <a:endParaRPr sz="2774">
+              <a:rPr sz="2520">
+                <a:solidFill>
+                  <a:srgbClr val="FFFFFF"/>
+                </a:solidFill>
+              </a:rPr>
+              <a:t>One for the Cat to make a connection for any connecting mouse.</a:t>
+            </a:r>
+            <a:endParaRPr sz="2520">
               <a:solidFill>
                 <a:srgbClr val="FFFFFF"/>
               </a:solidFill>
             </a:endParaRPr>
           </a:p>
           <a:p>
-            <a:pPr lvl="1" marL="648970" indent="-324485" defTabSz="426466">
+            <a:pPr lvl="1" marL="617219" indent="-308609" defTabSz="525779">
               <a:spcBef>
-                <a:spcPts val="3000"/>
+                <a:spcPts val="2800"/>
               </a:spcBef>
               <a:defRPr sz="1800">
                 <a:solidFill>
@@ -6260,91 +8128,43 @@
               </a:defRPr>
             </a:pPr>
             <a:r>
-              <a:rPr sz="2774">
-                <a:solidFill>
-                  <a:srgbClr val="FFFFFF"/>
-                </a:solidFill>
-              </a:rPr>
-              <a:t>Draw a marker on the map with a location as input</a:t>
-            </a:r>
-            <a:endParaRPr sz="2774">
-              <a:solidFill>
-                <a:srgbClr val="FFFFFF"/>
-              </a:solidFill>
-            </a:endParaRPr>
-          </a:p>
-          <a:p>
-            <a:pPr lvl="0" marL="324485" indent="-324485" defTabSz="426466">
-              <a:spcBef>
-                <a:spcPts val="3000"/>
-              </a:spcBef>
-              <a:defRPr sz="1800">
-                <a:solidFill>
-                  <a:srgbClr val="000000"/>
-                </a:solidFill>
-              </a:defRPr>
-            </a:pPr>
-            <a:r>
-              <a:rPr sz="2774">
-                <a:solidFill>
-                  <a:srgbClr val="FFFFFF"/>
-                </a:solidFill>
-              </a:rPr>
-              <a:t>Integrate Parse API for upload and download (from Ran)</a:t>
-            </a:r>
-            <a:endParaRPr sz="2774">
-              <a:solidFill>
-                <a:srgbClr val="FFFFFF"/>
-              </a:solidFill>
-            </a:endParaRPr>
-          </a:p>
-          <a:p>
-            <a:pPr lvl="1" marL="648970" indent="-324485" defTabSz="426466">
-              <a:spcBef>
-                <a:spcPts val="3000"/>
-              </a:spcBef>
-              <a:defRPr sz="1800">
-                <a:solidFill>
-                  <a:srgbClr val="000000"/>
-                </a:solidFill>
-              </a:defRPr>
-            </a:pPr>
-            <a:r>
-              <a:rPr sz="2774">
-                <a:solidFill>
-                  <a:srgbClr val="FFFFFF"/>
-                </a:solidFill>
-              </a:rPr>
-              <a:t>Put the device’s current location on Parse as current location updates</a:t>
-            </a:r>
-            <a:endParaRPr sz="2774">
-              <a:solidFill>
-                <a:srgbClr val="FFFFFF"/>
-              </a:solidFill>
-            </a:endParaRPr>
-          </a:p>
-          <a:p>
-            <a:pPr lvl="1" marL="648970" indent="-324485" defTabSz="426466">
-              <a:spcBef>
-                <a:spcPts val="3000"/>
-              </a:spcBef>
-              <a:defRPr sz="1800">
-                <a:solidFill>
-                  <a:srgbClr val="000000"/>
-                </a:solidFill>
-              </a:defRPr>
-            </a:pPr>
-            <a:r>
-              <a:rPr sz="2774">
-                <a:solidFill>
-                  <a:srgbClr val="FFFFFF"/>
-                </a:solidFill>
-              </a:rPr>
-              <a:t>Download the locations of other devices from Parse and draw markers for those locations upon player’s request</a:t>
+              <a:rPr sz="2520">
+                <a:solidFill>
+                  <a:srgbClr val="FFFFFF"/>
+                </a:solidFill>
+              </a:rPr>
+              <a:t>Two for the mice: one to search for new devices and one to search through already paired devices</a:t>
             </a:r>
           </a:p>
         </p:txBody>
       </p:sp>
+      <p:pic>
+        <p:nvPicPr>
+          <p:cNvPr id="88" name="pasted-image.tif"/>
+          <p:cNvPicPr/>
+          <p:nvPr/>
+        </p:nvPicPr>
+        <p:blipFill>
+          <a:blip r:embed="rId2">
+            <a:extLst/>
+          </a:blip>
+          <a:stretch>
+            <a:fillRect/>
+          </a:stretch>
+        </p:blipFill>
+        <p:spPr>
+          <a:xfrm>
+            <a:off x="6661149" y="3721100"/>
+            <a:ext cx="5448301" cy="4025901"/>
+          </a:xfrm>
+          <a:prstGeom prst="rect">
+            <a:avLst/>
+          </a:prstGeom>
+          <a:ln w="12700">
+            <a:miter lim="400000"/>
+          </a:ln>
+        </p:spPr>
+      </p:pic>
     </p:spTree>
   </p:cSld>
   <p:clrMapOvr>
